--- a/Documents/Slides/Identity-Database.pptx
+++ b/Documents/Slides/Identity-Database.pptx
@@ -5,10 +5,10 @@
     <p:sldMasterId id="2147483648" r:id="rId1"/>
   </p:sldMasterIdLst>
   <p:notesMasterIdLst>
-    <p:notesMasterId r:id="rId11"/>
+    <p:notesMasterId r:id="rId13"/>
   </p:notesMasterIdLst>
   <p:handoutMasterIdLst>
-    <p:handoutMasterId r:id="rId12"/>
+    <p:handoutMasterId r:id="rId14"/>
   </p:handoutMasterIdLst>
   <p:sldIdLst>
     <p:sldId id="256" r:id="rId2"/>
@@ -16,10 +16,12 @@
     <p:sldId id="406" r:id="rId4"/>
     <p:sldId id="414" r:id="rId5"/>
     <p:sldId id="415" r:id="rId6"/>
-    <p:sldId id="411" r:id="rId7"/>
-    <p:sldId id="412" r:id="rId8"/>
-    <p:sldId id="413" r:id="rId9"/>
-    <p:sldId id="410" r:id="rId10"/>
+    <p:sldId id="417" r:id="rId7"/>
+    <p:sldId id="416" r:id="rId8"/>
+    <p:sldId id="411" r:id="rId9"/>
+    <p:sldId id="412" r:id="rId10"/>
+    <p:sldId id="413" r:id="rId11"/>
+    <p:sldId id="410" r:id="rId12"/>
   </p:sldIdLst>
   <p:sldSz cx="9144000" cy="6858000" type="screen4x3"/>
   <p:notesSz cx="6867525" cy="9994900"/>
@@ -219,7 +221,7 @@
           <a:p>
             <a:fld id="{B5922E6D-3451-482A-A64F-C89F139BA51A}" type="datetimeFigureOut">
               <a:rPr lang="en-US" smtClean="0"/>
-              <a:t>11/24/2014</a:t>
+              <a:t>11/26/2014</a:t>
             </a:fld>
             <a:endParaRPr lang="en-US"/>
           </a:p>
@@ -384,7 +386,7 @@
           <a:p>
             <a:fld id="{05247E74-41DE-40FA-A7A7-A655366ADCFA}" type="datetimeFigureOut">
               <a:rPr lang="sv-SE" smtClean="0"/>
-              <a:t>2014-11-24</a:t>
+              <a:t>2014-11-26</a:t>
             </a:fld>
             <a:endParaRPr lang="sv-SE"/>
           </a:p>
@@ -848,7 +850,7 @@
           <a:p>
             <a:fld id="{DB41BBF1-8D56-4061-8DE2-461FDAC177EF}" type="datetimeFigureOut">
               <a:rPr lang="sv-SE" smtClean="0"/>
-              <a:t>2014-11-24</a:t>
+              <a:t>2014-11-26</a:t>
             </a:fld>
             <a:endParaRPr lang="sv-SE"/>
           </a:p>
@@ -1112,7 +1114,7 @@
           <a:p>
             <a:fld id="{DB41BBF1-8D56-4061-8DE2-461FDAC177EF}" type="datetimeFigureOut">
               <a:rPr lang="sv-SE" smtClean="0"/>
-              <a:t>2014-11-24</a:t>
+              <a:t>2014-11-26</a:t>
             </a:fld>
             <a:endParaRPr lang="sv-SE"/>
           </a:p>
@@ -1289,7 +1291,7 @@
           <a:p>
             <a:fld id="{DB41BBF1-8D56-4061-8DE2-461FDAC177EF}" type="datetimeFigureOut">
               <a:rPr lang="sv-SE" smtClean="0"/>
-              <a:t>2014-11-24</a:t>
+              <a:t>2014-11-26</a:t>
             </a:fld>
             <a:endParaRPr lang="sv-SE"/>
           </a:p>
@@ -1476,7 +1478,7 @@
           <a:p>
             <a:fld id="{DB41BBF1-8D56-4061-8DE2-461FDAC177EF}" type="datetimeFigureOut">
               <a:rPr lang="sv-SE" smtClean="0"/>
-              <a:t>2014-11-24</a:t>
+              <a:t>2014-11-26</a:t>
             </a:fld>
             <a:endParaRPr lang="sv-SE"/>
           </a:p>
@@ -1528,6 +1530,264 @@
     <p:extLst>
       <p:ext uri="{BB962C8B-B14F-4D97-AF65-F5344CB8AC3E}">
         <p14:creationId xmlns:p14="http://schemas.microsoft.com/office/powerpoint/2010/main" val="2381783079"/>
+      </p:ext>
+    </p:extLst>
+  </p:cSld>
+  <p:clrMapOvr>
+    <a:masterClrMapping/>
+  </p:clrMapOvr>
+  <p:timing>
+    <p:tnLst>
+      <p:par>
+        <p:cTn id="1" dur="indefinite" restart="never" nodeType="tmRoot"/>
+      </p:par>
+    </p:tnLst>
+  </p:timing>
+</p:sldLayout>
+</file>
+
+<file path=ppt/slideLayouts/slideLayout13.xml><?xml version="1.0" encoding="utf-8"?>
+<p:sldLayout xmlns:a="http://schemas.openxmlformats.org/drawingml/2006/main" xmlns:r="http://schemas.openxmlformats.org/officeDocument/2006/relationships" xmlns:p="http://schemas.openxmlformats.org/presentationml/2006/main" userDrawn="1">
+  <p:cSld name="1_Title only">
+    <p:spTree>
+      <p:nvGrpSpPr>
+        <p:cNvPr id="1" name=""/>
+        <p:cNvGrpSpPr/>
+        <p:nvPr/>
+      </p:nvGrpSpPr>
+      <p:grpSpPr>
+        <a:xfrm>
+          <a:off x="0" y="0"/>
+          <a:ext cx="0" cy="0"/>
+          <a:chOff x="0" y="0"/>
+          <a:chExt cx="0" cy="0"/>
+        </a:xfrm>
+      </p:grpSpPr>
+      <p:sp>
+        <p:nvSpPr>
+          <p:cNvPr id="3" name="Subtitle 2"/>
+          <p:cNvSpPr>
+            <a:spLocks noGrp="1"/>
+          </p:cNvSpPr>
+          <p:nvPr>
+            <p:ph type="subTitle" idx="1"/>
+          </p:nvPr>
+        </p:nvSpPr>
+        <p:spPr>
+          <a:xfrm>
+            <a:off x="1331640" y="2996952"/>
+            <a:ext cx="6400800" cy="1512168"/>
+          </a:xfrm>
+        </p:spPr>
+        <p:txBody>
+          <a:bodyPr/>
+          <a:lstStyle>
+            <a:lvl1pPr marL="0" indent="0" algn="ctr">
+              <a:buNone/>
+              <a:defRPr sz="2100" baseline="0">
+                <a:solidFill>
+                  <a:schemeClr val="tx1"/>
+                </a:solidFill>
+                <a:latin typeface="Arial" pitchFamily="34" charset="0"/>
+                <a:cs typeface="Arial" pitchFamily="34" charset="0"/>
+              </a:defRPr>
+            </a:lvl1pPr>
+            <a:lvl2pPr marL="342900" indent="0" algn="ctr">
+              <a:buNone/>
+              <a:defRPr>
+                <a:solidFill>
+                  <a:schemeClr val="tx1">
+                    <a:tint val="75000"/>
+                  </a:schemeClr>
+                </a:solidFill>
+              </a:defRPr>
+            </a:lvl2pPr>
+            <a:lvl3pPr marL="685800" indent="0" algn="ctr">
+              <a:buNone/>
+              <a:defRPr>
+                <a:solidFill>
+                  <a:schemeClr val="tx1">
+                    <a:tint val="75000"/>
+                  </a:schemeClr>
+                </a:solidFill>
+              </a:defRPr>
+            </a:lvl3pPr>
+            <a:lvl4pPr marL="1028700" indent="0" algn="ctr">
+              <a:buNone/>
+              <a:defRPr>
+                <a:solidFill>
+                  <a:schemeClr val="tx1">
+                    <a:tint val="75000"/>
+                  </a:schemeClr>
+                </a:solidFill>
+              </a:defRPr>
+            </a:lvl4pPr>
+            <a:lvl5pPr marL="1371600" indent="0" algn="ctr">
+              <a:buNone/>
+              <a:defRPr>
+                <a:solidFill>
+                  <a:schemeClr val="tx1">
+                    <a:tint val="75000"/>
+                  </a:schemeClr>
+                </a:solidFill>
+              </a:defRPr>
+            </a:lvl5pPr>
+            <a:lvl6pPr marL="1714500" indent="0" algn="ctr">
+              <a:buNone/>
+              <a:defRPr>
+                <a:solidFill>
+                  <a:schemeClr val="tx1">
+                    <a:tint val="75000"/>
+                  </a:schemeClr>
+                </a:solidFill>
+              </a:defRPr>
+            </a:lvl6pPr>
+            <a:lvl7pPr marL="2057400" indent="0" algn="ctr">
+              <a:buNone/>
+              <a:defRPr>
+                <a:solidFill>
+                  <a:schemeClr val="tx1">
+                    <a:tint val="75000"/>
+                  </a:schemeClr>
+                </a:solidFill>
+              </a:defRPr>
+            </a:lvl7pPr>
+            <a:lvl8pPr marL="2400300" indent="0" algn="ctr">
+              <a:buNone/>
+              <a:defRPr>
+                <a:solidFill>
+                  <a:schemeClr val="tx1">
+                    <a:tint val="75000"/>
+                  </a:schemeClr>
+                </a:solidFill>
+              </a:defRPr>
+            </a:lvl8pPr>
+            <a:lvl9pPr marL="2743200" indent="0" algn="ctr">
+              <a:buNone/>
+              <a:defRPr>
+                <a:solidFill>
+                  <a:schemeClr val="tx1">
+                    <a:tint val="75000"/>
+                  </a:schemeClr>
+                </a:solidFill>
+              </a:defRPr>
+            </a:lvl9pPr>
+          </a:lstStyle>
+          <a:p>
+            <a:r>
+              <a:rPr lang="en-US" dirty="0" smtClean="0"/>
+              <a:t>Click to edit Master subtitle style</a:t>
+            </a:r>
+            <a:endParaRPr lang="sv-SE" dirty="0"/>
+          </a:p>
+        </p:txBody>
+      </p:sp>
+      <p:sp>
+        <p:nvSpPr>
+          <p:cNvPr id="4" name="Date Placeholder 3"/>
+          <p:cNvSpPr>
+            <a:spLocks noGrp="1"/>
+          </p:cNvSpPr>
+          <p:nvPr>
+            <p:ph type="dt" sz="half" idx="10"/>
+          </p:nvPr>
+        </p:nvSpPr>
+        <p:spPr/>
+        <p:txBody>
+          <a:bodyPr/>
+          <a:lstStyle/>
+          <a:p>
+            <a:fld id="{8F4D68F5-60D1-40B7-A028-19C22E3ED852}" type="datetimeFigureOut">
+              <a:rPr lang="sv-SE" smtClean="0"/>
+              <a:t>2014-11-26</a:t>
+            </a:fld>
+            <a:endParaRPr lang="sv-SE"/>
+          </a:p>
+        </p:txBody>
+      </p:sp>
+      <p:sp>
+        <p:nvSpPr>
+          <p:cNvPr id="5" name="Footer Placeholder 4"/>
+          <p:cNvSpPr>
+            <a:spLocks noGrp="1"/>
+          </p:cNvSpPr>
+          <p:nvPr>
+            <p:ph type="ftr" sz="quarter" idx="11"/>
+          </p:nvPr>
+        </p:nvSpPr>
+        <p:spPr/>
+        <p:txBody>
+          <a:bodyPr/>
+          <a:lstStyle/>
+          <a:p>
+            <a:endParaRPr lang="sv-SE"/>
+          </a:p>
+        </p:txBody>
+      </p:sp>
+      <p:sp>
+        <p:nvSpPr>
+          <p:cNvPr id="6" name="Slide Number Placeholder 5"/>
+          <p:cNvSpPr>
+            <a:spLocks noGrp="1"/>
+          </p:cNvSpPr>
+          <p:nvPr>
+            <p:ph type="sldNum" sz="quarter" idx="12"/>
+          </p:nvPr>
+        </p:nvSpPr>
+        <p:spPr/>
+        <p:txBody>
+          <a:bodyPr/>
+          <a:lstStyle/>
+          <a:p>
+            <a:fld id="{0662B684-E620-4396-B093-6D337D584A45}" type="slidenum">
+              <a:rPr lang="sv-SE" smtClean="0"/>
+              <a:t>‹#›</a:t>
+            </a:fld>
+            <a:endParaRPr lang="sv-SE"/>
+          </a:p>
+        </p:txBody>
+      </p:sp>
+      <p:sp>
+        <p:nvSpPr>
+          <p:cNvPr id="7" name="Title 13"/>
+          <p:cNvSpPr>
+            <a:spLocks noGrp="1"/>
+          </p:cNvSpPr>
+          <p:nvPr>
+            <p:ph type="title"/>
+          </p:nvPr>
+        </p:nvSpPr>
+        <p:spPr>
+          <a:xfrm>
+            <a:off x="0" y="0"/>
+            <a:ext cx="9144000" cy="620688"/>
+          </a:xfrm>
+        </p:spPr>
+        <p:txBody>
+          <a:bodyPr>
+            <a:noAutofit/>
+          </a:bodyPr>
+          <a:lstStyle>
+            <a:lvl1pPr>
+              <a:defRPr sz="3300" b="1">
+                <a:latin typeface="Arial" pitchFamily="34" charset="0"/>
+                <a:cs typeface="Arial" pitchFamily="34" charset="0"/>
+              </a:defRPr>
+            </a:lvl1pPr>
+          </a:lstStyle>
+          <a:p>
+            <a:r>
+              <a:rPr lang="en-US" dirty="0" smtClean="0"/>
+              <a:t>Click to edit Master title style</a:t>
+            </a:r>
+            <a:endParaRPr lang="sv-SE" dirty="0"/>
+          </a:p>
+        </p:txBody>
+      </p:sp>
+    </p:spTree>
+    <p:extLst>
+      <p:ext uri="{BB962C8B-B14F-4D97-AF65-F5344CB8AC3E}">
+        <p14:creationId xmlns:p14="http://schemas.microsoft.com/office/powerpoint/2010/main" val="433160907"/>
       </p:ext>
     </p:extLst>
   </p:cSld>
@@ -1740,7 +2000,7 @@
           <a:p>
             <a:fld id="{DB41BBF1-8D56-4061-8DE2-461FDAC177EF}" type="datetimeFigureOut">
               <a:rPr lang="sv-SE" smtClean="0"/>
-              <a:t>2014-11-24</a:t>
+              <a:t>2014-11-26</a:t>
             </a:fld>
             <a:endParaRPr lang="sv-SE"/>
           </a:p>
@@ -1917,7 +2177,7 @@
           <a:p>
             <a:fld id="{DB41BBF1-8D56-4061-8DE2-461FDAC177EF}" type="datetimeFigureOut">
               <a:rPr lang="sv-SE" smtClean="0"/>
-              <a:t>2014-11-24</a:t>
+              <a:t>2014-11-26</a:t>
             </a:fld>
             <a:endParaRPr lang="sv-SE"/>
           </a:p>
@@ -2170,7 +2430,7 @@
           <a:p>
             <a:fld id="{DB41BBF1-8D56-4061-8DE2-461FDAC177EF}" type="datetimeFigureOut">
               <a:rPr lang="sv-SE" smtClean="0"/>
-              <a:t>2014-11-24</a:t>
+              <a:t>2014-11-26</a:t>
             </a:fld>
             <a:endParaRPr lang="sv-SE"/>
           </a:p>
@@ -2465,7 +2725,7 @@
           <a:p>
             <a:fld id="{DB41BBF1-8D56-4061-8DE2-461FDAC177EF}" type="datetimeFigureOut">
               <a:rPr lang="sv-SE" smtClean="0"/>
-              <a:t>2014-11-24</a:t>
+              <a:t>2014-11-26</a:t>
             </a:fld>
             <a:endParaRPr lang="sv-SE"/>
           </a:p>
@@ -2894,7 +3154,7 @@
           <a:p>
             <a:fld id="{DB41BBF1-8D56-4061-8DE2-461FDAC177EF}" type="datetimeFigureOut">
               <a:rPr lang="sv-SE" smtClean="0"/>
-              <a:t>2014-11-24</a:t>
+              <a:t>2014-11-26</a:t>
             </a:fld>
             <a:endParaRPr lang="sv-SE"/>
           </a:p>
@@ -3019,7 +3279,7 @@
           <a:p>
             <a:fld id="{DB41BBF1-8D56-4061-8DE2-461FDAC177EF}" type="datetimeFigureOut">
               <a:rPr lang="sv-SE" smtClean="0"/>
-              <a:t>2014-11-24</a:t>
+              <a:t>2014-11-26</a:t>
             </a:fld>
             <a:endParaRPr lang="sv-SE"/>
           </a:p>
@@ -3121,7 +3381,7 @@
           <a:p>
             <a:fld id="{DB41BBF1-8D56-4061-8DE2-461FDAC177EF}" type="datetimeFigureOut">
               <a:rPr lang="sv-SE" smtClean="0"/>
-              <a:t>2014-11-24</a:t>
+              <a:t>2014-11-26</a:t>
             </a:fld>
             <a:endParaRPr lang="sv-SE"/>
           </a:p>
@@ -3405,7 +3665,7 @@
           <a:p>
             <a:fld id="{DB41BBF1-8D56-4061-8DE2-461FDAC177EF}" type="datetimeFigureOut">
               <a:rPr lang="sv-SE" smtClean="0"/>
-              <a:t>2014-11-24</a:t>
+              <a:t>2014-11-26</a:t>
             </a:fld>
             <a:endParaRPr lang="sv-SE"/>
           </a:p>
@@ -3633,7 +3893,7 @@
           <a:p>
             <a:fld id="{DB41BBF1-8D56-4061-8DE2-461FDAC177EF}" type="datetimeFigureOut">
               <a:rPr lang="sv-SE" smtClean="0"/>
-              <a:t>2014-11-24</a:t>
+              <a:t>2014-11-26</a:t>
             </a:fld>
             <a:endParaRPr lang="sv-SE"/>
           </a:p>
@@ -3726,7 +3986,7 @@
           <p:nvPr userDrawn="1"/>
         </p:nvPicPr>
         <p:blipFill>
-          <a:blip r:embed="rId14">
+          <a:blip r:embed="rId15">
             <a:duotone>
               <a:schemeClr val="bg2">
                 <a:shade val="45000"/>
@@ -3786,6 +4046,7 @@
     <p:sldLayoutId id="2147483657" r:id="rId10"/>
     <p:sldLayoutId id="2147483658" r:id="rId11"/>
     <p:sldLayoutId id="2147483659" r:id="rId12"/>
+    <p:sldLayoutId id="2147483661" r:id="rId13"/>
   </p:sldLayoutIdLst>
   <p:timing>
     <p:tnLst>
@@ -4176,6 +4437,652 @@
 </p:sld>
 </file>
 
+<file path=ppt/slides/slide10.xml><?xml version="1.0" encoding="utf-8"?>
+<p:sld xmlns:a="http://schemas.openxmlformats.org/drawingml/2006/main" xmlns:r="http://schemas.openxmlformats.org/officeDocument/2006/relationships" xmlns:p="http://schemas.openxmlformats.org/presentationml/2006/main">
+  <p:cSld>
+    <p:spTree>
+      <p:nvGrpSpPr>
+        <p:cNvPr id="1" name=""/>
+        <p:cNvGrpSpPr/>
+        <p:nvPr/>
+      </p:nvGrpSpPr>
+      <p:grpSpPr>
+        <a:xfrm>
+          <a:off x="0" y="0"/>
+          <a:ext cx="0" cy="0"/>
+          <a:chOff x="0" y="0"/>
+          <a:chExt cx="0" cy="0"/>
+        </a:xfrm>
+      </p:grpSpPr>
+      <p:sp>
+        <p:nvSpPr>
+          <p:cNvPr id="2" name="Rubrik 1"/>
+          <p:cNvSpPr>
+            <a:spLocks noGrp="1"/>
+          </p:cNvSpPr>
+          <p:nvPr>
+            <p:ph type="title"/>
+          </p:nvPr>
+        </p:nvSpPr>
+        <p:spPr/>
+        <p:txBody>
+          <a:bodyPr/>
+          <a:lstStyle/>
+          <a:p>
+            <a:r>
+              <a:rPr lang="en-US" dirty="0" smtClean="0"/>
+              <a:t>ASP.NET Identity - Database</a:t>
+            </a:r>
+            <a:endParaRPr lang="en-US" dirty="0"/>
+          </a:p>
+        </p:txBody>
+      </p:sp>
+      <p:graphicFrame>
+        <p:nvGraphicFramePr>
+          <p:cNvPr id="4" name="Platshållare för innehåll 3"/>
+          <p:cNvGraphicFramePr>
+            <a:graphicFrameLocks noGrp="1"/>
+          </p:cNvGraphicFramePr>
+          <p:nvPr>
+            <p:ph idx="1"/>
+            <p:extLst>
+              <p:ext uri="{D42A27DB-BD31-4B8C-83A1-F6EECF244321}">
+                <p14:modId xmlns:p14="http://schemas.microsoft.com/office/powerpoint/2010/main" val="2057406839"/>
+              </p:ext>
+            </p:extLst>
+          </p:nvPr>
+        </p:nvGraphicFramePr>
+        <p:xfrm>
+          <a:off x="457200" y="1600200"/>
+          <a:ext cx="5338936" cy="2372360"/>
+        </p:xfrm>
+        <a:graphic>
+          <a:graphicData uri="http://schemas.openxmlformats.org/drawingml/2006/table">
+            <a:tbl>
+              <a:tblPr firstRow="1" bandRow="1">
+                <a:tableStyleId>{5C22544A-7EE6-4342-B048-85BDC9FD1C3A}</a:tableStyleId>
+              </a:tblPr>
+              <a:tblGrid>
+                <a:gridCol w="2352396"/>
+                <a:gridCol w="2986540"/>
+              </a:tblGrid>
+              <a:tr h="370840">
+                <a:tc gridSpan="2">
+                  <a:txBody>
+                    <a:bodyPr/>
+                    <a:lstStyle/>
+                    <a:p>
+                      <a:pPr algn="ctr"/>
+                      <a:r>
+                        <a:rPr lang="en-US" sz="2800" dirty="0" smtClean="0"/>
+                        <a:t>AspNetUserClaims</a:t>
+                      </a:r>
+                      <a:endParaRPr lang="en-US" sz="2800" dirty="0"/>
+                    </a:p>
+                  </a:txBody>
+                  <a:tcPr/>
+                </a:tc>
+                <a:tc hMerge="1">
+                  <a:txBody>
+                    <a:bodyPr/>
+                    <a:lstStyle/>
+                    <a:p>
+                      <a:endParaRPr lang="en-US" dirty="0"/>
+                    </a:p>
+                  </a:txBody>
+                  <a:tcPr/>
+                </a:tc>
+              </a:tr>
+              <a:tr h="370840">
+                <a:tc>
+                  <a:txBody>
+                    <a:bodyPr/>
+                    <a:lstStyle/>
+                    <a:p>
+                      <a:r>
+                        <a:rPr lang="en-US" b="1" dirty="0" smtClean="0"/>
+                        <a:t>Column</a:t>
+                      </a:r>
+                      <a:endParaRPr lang="en-US" b="1" dirty="0"/>
+                    </a:p>
+                  </a:txBody>
+                  <a:tcPr/>
+                </a:tc>
+                <a:tc>
+                  <a:txBody>
+                    <a:bodyPr/>
+                    <a:lstStyle/>
+                    <a:p>
+                      <a:r>
+                        <a:rPr lang="en-US" b="1" dirty="0" smtClean="0"/>
+                        <a:t>Description</a:t>
+                      </a:r>
+                      <a:endParaRPr lang="en-US" b="1" dirty="0"/>
+                    </a:p>
+                  </a:txBody>
+                  <a:tcPr/>
+                </a:tc>
+              </a:tr>
+              <a:tr h="370840">
+                <a:tc>
+                  <a:txBody>
+                    <a:bodyPr/>
+                    <a:lstStyle/>
+                    <a:p>
+                      <a:r>
+                        <a:rPr lang="en-US" dirty="0" smtClean="0"/>
+                        <a:t>Id</a:t>
+                      </a:r>
+                      <a:endParaRPr lang="en-US" dirty="0"/>
+                    </a:p>
+                  </a:txBody>
+                  <a:tcPr/>
+                </a:tc>
+                <a:tc>
+                  <a:txBody>
+                    <a:bodyPr/>
+                    <a:lstStyle/>
+                    <a:p>
+                      <a:r>
+                        <a:rPr lang="en-US" dirty="0" smtClean="0"/>
+                        <a:t>A</a:t>
+                      </a:r>
+                      <a:r>
+                        <a:rPr lang="en-US" baseline="0" dirty="0" smtClean="0"/>
+                        <a:t>n auto incrementing ID</a:t>
+                      </a:r>
+                      <a:endParaRPr lang="en-US" dirty="0"/>
+                    </a:p>
+                  </a:txBody>
+                  <a:tcPr/>
+                </a:tc>
+              </a:tr>
+              <a:tr h="370840">
+                <a:tc>
+                  <a:txBody>
+                    <a:bodyPr/>
+                    <a:lstStyle/>
+                    <a:p>
+                      <a:r>
+                        <a:rPr lang="en-US" dirty="0" smtClean="0"/>
+                        <a:t>UserId</a:t>
+                      </a:r>
+                      <a:endParaRPr lang="en-US" dirty="0"/>
+                    </a:p>
+                  </a:txBody>
+                  <a:tcPr/>
+                </a:tc>
+                <a:tc>
+                  <a:txBody>
+                    <a:bodyPr/>
+                    <a:lstStyle/>
+                    <a:p>
+                      <a:r>
+                        <a:rPr lang="en-US" dirty="0" smtClean="0"/>
+                        <a:t>The users ID</a:t>
+                      </a:r>
+                      <a:endParaRPr lang="en-US" dirty="0"/>
+                    </a:p>
+                  </a:txBody>
+                  <a:tcPr/>
+                </a:tc>
+              </a:tr>
+              <a:tr h="370840">
+                <a:tc>
+                  <a:txBody>
+                    <a:bodyPr/>
+                    <a:lstStyle/>
+                    <a:p>
+                      <a:r>
+                        <a:rPr lang="en-US" dirty="0" smtClean="0"/>
+                        <a:t>ClaimType</a:t>
+                      </a:r>
+                      <a:endParaRPr lang="en-US" dirty="0"/>
+                    </a:p>
+                  </a:txBody>
+                  <a:tcPr/>
+                </a:tc>
+                <a:tc>
+                  <a:txBody>
+                    <a:bodyPr/>
+                    <a:lstStyle/>
+                    <a:p>
+                      <a:r>
+                        <a:rPr lang="en-US" dirty="0" smtClean="0"/>
+                        <a:t>The type of the claim</a:t>
+                      </a:r>
+                      <a:endParaRPr lang="en-US" dirty="0"/>
+                    </a:p>
+                  </a:txBody>
+                  <a:tcPr/>
+                </a:tc>
+              </a:tr>
+              <a:tr h="370840">
+                <a:tc>
+                  <a:txBody>
+                    <a:bodyPr/>
+                    <a:lstStyle/>
+                    <a:p>
+                      <a:r>
+                        <a:rPr lang="en-US" dirty="0" smtClean="0"/>
+                        <a:t>ClaimValue</a:t>
+                      </a:r>
+                      <a:endParaRPr lang="en-US" dirty="0"/>
+                    </a:p>
+                  </a:txBody>
+                  <a:tcPr/>
+                </a:tc>
+                <a:tc>
+                  <a:txBody>
+                    <a:bodyPr/>
+                    <a:lstStyle/>
+                    <a:p>
+                      <a:r>
+                        <a:rPr lang="en-US" dirty="0" smtClean="0"/>
+                        <a:t>The value of the claim</a:t>
+                      </a:r>
+                      <a:endParaRPr lang="en-US" dirty="0"/>
+                    </a:p>
+                  </a:txBody>
+                  <a:tcPr/>
+                </a:tc>
+              </a:tr>
+            </a:tbl>
+          </a:graphicData>
+        </a:graphic>
+      </p:graphicFrame>
+      <p:sp>
+        <p:nvSpPr>
+          <p:cNvPr id="5" name="textruta 4"/>
+          <p:cNvSpPr txBox="1"/>
+          <p:nvPr/>
+        </p:nvSpPr>
+        <p:spPr>
+          <a:xfrm>
+            <a:off x="6012160" y="1700808"/>
+            <a:ext cx="2952328" cy="677108"/>
+          </a:xfrm>
+          <a:prstGeom prst="rect">
+            <a:avLst/>
+          </a:prstGeom>
+          <a:noFill/>
+        </p:spPr>
+        <p:txBody>
+          <a:bodyPr wrap="square" rtlCol="0">
+            <a:spAutoFit/>
+          </a:bodyPr>
+          <a:lstStyle/>
+          <a:p>
+            <a:r>
+              <a:rPr lang="en-US" sz="2000" dirty="0" smtClean="0"/>
+              <a:t>Table used to store claims</a:t>
+            </a:r>
+          </a:p>
+          <a:p>
+            <a:pPr marL="285750" indent="-285750">
+              <a:buFont typeface="Arial" panose="020B0604020202020204" pitchFamily="34" charset="0"/>
+              <a:buChar char="•"/>
+            </a:pPr>
+            <a:endParaRPr lang="en-US" dirty="0"/>
+          </a:p>
+        </p:txBody>
+      </p:sp>
+    </p:spTree>
+    <p:extLst>
+      <p:ext uri="{BB962C8B-B14F-4D97-AF65-F5344CB8AC3E}">
+        <p14:creationId xmlns:p14="http://schemas.microsoft.com/office/powerpoint/2010/main" val="898253676"/>
+      </p:ext>
+    </p:extLst>
+  </p:cSld>
+  <p:clrMapOvr>
+    <a:masterClrMapping/>
+  </p:clrMapOvr>
+  <p:timing>
+    <p:tnLst>
+      <p:par>
+        <p:cTn id="1" dur="indefinite" restart="never" nodeType="tmRoot"/>
+      </p:par>
+    </p:tnLst>
+  </p:timing>
+</p:sld>
+</file>
+
+<file path=ppt/slides/slide11.xml><?xml version="1.0" encoding="utf-8"?>
+<p:sld xmlns:a="http://schemas.openxmlformats.org/drawingml/2006/main" xmlns:r="http://schemas.openxmlformats.org/officeDocument/2006/relationships" xmlns:p="http://schemas.openxmlformats.org/presentationml/2006/main">
+  <p:cSld>
+    <p:spTree>
+      <p:nvGrpSpPr>
+        <p:cNvPr id="1" name=""/>
+        <p:cNvGrpSpPr/>
+        <p:nvPr/>
+      </p:nvGrpSpPr>
+      <p:grpSpPr>
+        <a:xfrm>
+          <a:off x="0" y="0"/>
+          <a:ext cx="0" cy="0"/>
+          <a:chOff x="0" y="0"/>
+          <a:chExt cx="0" cy="0"/>
+        </a:xfrm>
+      </p:grpSpPr>
+      <p:sp>
+        <p:nvSpPr>
+          <p:cNvPr id="2" name="Rubrik 1"/>
+          <p:cNvSpPr>
+            <a:spLocks noGrp="1"/>
+          </p:cNvSpPr>
+          <p:nvPr>
+            <p:ph type="title"/>
+          </p:nvPr>
+        </p:nvSpPr>
+        <p:spPr/>
+        <p:txBody>
+          <a:bodyPr/>
+          <a:lstStyle/>
+          <a:p>
+            <a:r>
+              <a:rPr lang="en-US" dirty="0" smtClean="0"/>
+              <a:t>ASP.NET Identity - Database</a:t>
+            </a:r>
+            <a:endParaRPr lang="en-US" dirty="0"/>
+          </a:p>
+        </p:txBody>
+      </p:sp>
+      <p:graphicFrame>
+        <p:nvGraphicFramePr>
+          <p:cNvPr id="4" name="Platshållare för innehåll 3"/>
+          <p:cNvGraphicFramePr>
+            <a:graphicFrameLocks noGrp="1"/>
+          </p:cNvGraphicFramePr>
+          <p:nvPr>
+            <p:ph idx="1"/>
+            <p:extLst>
+              <p:ext uri="{D42A27DB-BD31-4B8C-83A1-F6EECF244321}">
+                <p14:modId xmlns:p14="http://schemas.microsoft.com/office/powerpoint/2010/main" val="608012639"/>
+              </p:ext>
+            </p:extLst>
+          </p:nvPr>
+        </p:nvGraphicFramePr>
+        <p:xfrm>
+          <a:off x="457200" y="2208768"/>
+          <a:ext cx="4906888" cy="2372360"/>
+        </p:xfrm>
+        <a:graphic>
+          <a:graphicData uri="http://schemas.openxmlformats.org/drawingml/2006/table">
+            <a:tbl>
+              <a:tblPr firstRow="1" bandRow="1">
+                <a:tableStyleId>{5C22544A-7EE6-4342-B048-85BDC9FD1C3A}</a:tableStyleId>
+              </a:tblPr>
+              <a:tblGrid>
+                <a:gridCol w="2242592"/>
+                <a:gridCol w="2664296"/>
+              </a:tblGrid>
+              <a:tr h="370840">
+                <a:tc gridSpan="2">
+                  <a:txBody>
+                    <a:bodyPr/>
+                    <a:lstStyle/>
+                    <a:p>
+                      <a:pPr algn="ctr"/>
+                      <a:r>
+                        <a:rPr lang="en-US" sz="2800" dirty="0" smtClean="0"/>
+                        <a:t>_MigrationHistory</a:t>
+                      </a:r>
+                      <a:endParaRPr lang="en-US" sz="2800" dirty="0"/>
+                    </a:p>
+                  </a:txBody>
+                  <a:tcPr/>
+                </a:tc>
+                <a:tc hMerge="1">
+                  <a:txBody>
+                    <a:bodyPr/>
+                    <a:lstStyle/>
+                    <a:p>
+                      <a:endParaRPr lang="en-US" dirty="0"/>
+                    </a:p>
+                  </a:txBody>
+                  <a:tcPr/>
+                </a:tc>
+              </a:tr>
+              <a:tr h="370840">
+                <a:tc>
+                  <a:txBody>
+                    <a:bodyPr/>
+                    <a:lstStyle/>
+                    <a:p>
+                      <a:r>
+                        <a:rPr lang="en-US" b="1" dirty="0" smtClean="0"/>
+                        <a:t>Column</a:t>
+                      </a:r>
+                      <a:endParaRPr lang="en-US" b="1" dirty="0"/>
+                    </a:p>
+                  </a:txBody>
+                  <a:tcPr/>
+                </a:tc>
+                <a:tc>
+                  <a:txBody>
+                    <a:bodyPr/>
+                    <a:lstStyle/>
+                    <a:p>
+                      <a:r>
+                        <a:rPr lang="en-US" b="1" dirty="0" smtClean="0"/>
+                        <a:t>Description</a:t>
+                      </a:r>
+                      <a:endParaRPr lang="en-US" b="1" dirty="0"/>
+                    </a:p>
+                  </a:txBody>
+                  <a:tcPr/>
+                </a:tc>
+              </a:tr>
+              <a:tr h="370840">
+                <a:tc>
+                  <a:txBody>
+                    <a:bodyPr/>
+                    <a:lstStyle/>
+                    <a:p>
+                      <a:r>
+                        <a:rPr lang="en-US" dirty="0" smtClean="0"/>
+                        <a:t>MigrationId</a:t>
+                      </a:r>
+                      <a:endParaRPr lang="en-US" dirty="0"/>
+                    </a:p>
+                  </a:txBody>
+                  <a:tcPr/>
+                </a:tc>
+                <a:tc>
+                  <a:txBody>
+                    <a:bodyPr/>
+                    <a:lstStyle/>
+                    <a:p>
+                      <a:r>
+                        <a:rPr lang="en-US" dirty="0" smtClean="0"/>
+                        <a:t>ID for migration</a:t>
+                      </a:r>
+                      <a:endParaRPr lang="en-US" dirty="0"/>
+                    </a:p>
+                  </a:txBody>
+                  <a:tcPr/>
+                </a:tc>
+              </a:tr>
+              <a:tr h="370840">
+                <a:tc>
+                  <a:txBody>
+                    <a:bodyPr/>
+                    <a:lstStyle/>
+                    <a:p>
+                      <a:r>
+                        <a:rPr lang="en-US" dirty="0" smtClean="0"/>
+                        <a:t>ContextKey</a:t>
+                      </a:r>
+                      <a:endParaRPr lang="en-US" dirty="0"/>
+                    </a:p>
+                  </a:txBody>
+                  <a:tcPr/>
+                </a:tc>
+                <a:tc>
+                  <a:txBody>
+                    <a:bodyPr/>
+                    <a:lstStyle/>
+                    <a:p>
+                      <a:r>
+                        <a:rPr lang="en-US" dirty="0" smtClean="0"/>
+                        <a:t>Key for database context</a:t>
+                      </a:r>
+                      <a:endParaRPr lang="en-US" dirty="0"/>
+                    </a:p>
+                  </a:txBody>
+                  <a:tcPr/>
+                </a:tc>
+              </a:tr>
+              <a:tr h="370840">
+                <a:tc>
+                  <a:txBody>
+                    <a:bodyPr/>
+                    <a:lstStyle/>
+                    <a:p>
+                      <a:r>
+                        <a:rPr lang="en-US" dirty="0" smtClean="0"/>
+                        <a:t>Model</a:t>
+                      </a:r>
+                      <a:endParaRPr lang="en-US" dirty="0"/>
+                    </a:p>
+                  </a:txBody>
+                  <a:tcPr/>
+                </a:tc>
+                <a:tc>
+                  <a:txBody>
+                    <a:bodyPr/>
+                    <a:lstStyle/>
+                    <a:p>
+                      <a:endParaRPr lang="en-US" dirty="0"/>
+                    </a:p>
+                  </a:txBody>
+                  <a:tcPr/>
+                </a:tc>
+              </a:tr>
+              <a:tr h="370840">
+                <a:tc>
+                  <a:txBody>
+                    <a:bodyPr/>
+                    <a:lstStyle/>
+                    <a:p>
+                      <a:r>
+                        <a:rPr lang="en-US" dirty="0" smtClean="0"/>
+                        <a:t>ProductVersion</a:t>
+                      </a:r>
+                      <a:endParaRPr lang="en-US" dirty="0"/>
+                    </a:p>
+                  </a:txBody>
+                  <a:tcPr/>
+                </a:tc>
+                <a:tc>
+                  <a:txBody>
+                    <a:bodyPr/>
+                    <a:lstStyle/>
+                    <a:p>
+                      <a:r>
+                        <a:rPr lang="en-US" dirty="0" smtClean="0"/>
+                        <a:t>Entity Framework version</a:t>
+                      </a:r>
+                      <a:endParaRPr lang="en-US" dirty="0"/>
+                    </a:p>
+                  </a:txBody>
+                  <a:tcPr/>
+                </a:tc>
+              </a:tr>
+            </a:tbl>
+          </a:graphicData>
+        </a:graphic>
+      </p:graphicFrame>
+      <p:sp>
+        <p:nvSpPr>
+          <p:cNvPr id="5" name="textruta 4"/>
+          <p:cNvSpPr txBox="1"/>
+          <p:nvPr/>
+        </p:nvSpPr>
+        <p:spPr>
+          <a:xfrm>
+            <a:off x="5508104" y="1628800"/>
+            <a:ext cx="2592288" cy="1200329"/>
+          </a:xfrm>
+          <a:prstGeom prst="rect">
+            <a:avLst/>
+          </a:prstGeom>
+          <a:noFill/>
+        </p:spPr>
+        <p:txBody>
+          <a:bodyPr wrap="square" rtlCol="0">
+            <a:spAutoFit/>
+          </a:bodyPr>
+          <a:lstStyle/>
+          <a:p>
+            <a:endParaRPr lang="en-US" dirty="0" smtClean="0"/>
+          </a:p>
+          <a:p>
+            <a:endParaRPr lang="en-US" dirty="0"/>
+          </a:p>
+          <a:p>
+            <a:r>
+              <a:rPr lang="en-US" dirty="0" smtClean="0"/>
+              <a:t>Table </a:t>
+            </a:r>
+            <a:r>
+              <a:rPr lang="en-US" dirty="0" smtClean="0"/>
+              <a:t>used to store migration history </a:t>
+            </a:r>
+            <a:endParaRPr lang="en-US" dirty="0"/>
+          </a:p>
+        </p:txBody>
+      </p:sp>
+      <p:sp>
+        <p:nvSpPr>
+          <p:cNvPr id="3" name="textruta 2"/>
+          <p:cNvSpPr txBox="1"/>
+          <p:nvPr/>
+        </p:nvSpPr>
+        <p:spPr>
+          <a:xfrm>
+            <a:off x="395536" y="836712"/>
+            <a:ext cx="7992888" cy="830997"/>
+          </a:xfrm>
+          <a:prstGeom prst="rect">
+            <a:avLst/>
+          </a:prstGeom>
+          <a:noFill/>
+        </p:spPr>
+        <p:txBody>
+          <a:bodyPr wrap="square" rtlCol="0">
+            <a:spAutoFit/>
+          </a:bodyPr>
+          <a:lstStyle/>
+          <a:p>
+            <a:r>
+              <a:rPr lang="en-US" sz="2400" dirty="0" smtClean="0"/>
+              <a:t>ASP.NET uses the migration feature in entity framework to generate the database tables </a:t>
+            </a:r>
+            <a:endParaRPr lang="en-US" sz="2400" dirty="0"/>
+          </a:p>
+        </p:txBody>
+      </p:sp>
+    </p:spTree>
+    <p:extLst>
+      <p:ext uri="{BB962C8B-B14F-4D97-AF65-F5344CB8AC3E}">
+        <p14:creationId xmlns:p14="http://schemas.microsoft.com/office/powerpoint/2010/main" val="3301651287"/>
+      </p:ext>
+    </p:extLst>
+  </p:cSld>
+  <p:clrMapOvr>
+    <a:masterClrMapping/>
+  </p:clrMapOvr>
+  <p:timing>
+    <p:tnLst>
+      <p:par>
+        <p:cTn id="1" dur="indefinite" restart="never" nodeType="tmRoot"/>
+      </p:par>
+    </p:tnLst>
+  </p:timing>
+</p:sld>
+</file>
+
 <file path=ppt/slides/slide2.xml><?xml version="1.0" encoding="utf-8"?>
 <p:sld xmlns:a="http://schemas.openxmlformats.org/drawingml/2006/main" xmlns:r="http://schemas.openxmlformats.org/officeDocument/2006/relationships" xmlns:p="http://schemas.openxmlformats.org/presentationml/2006/main">
   <p:cSld>
@@ -4732,7 +5639,7 @@
             <p:ph idx="1"/>
             <p:extLst>
               <p:ext uri="{D42A27DB-BD31-4B8C-83A1-F6EECF244321}">
-                <p14:modId xmlns:p14="http://schemas.microsoft.com/office/powerpoint/2010/main" val="2835910452"/>
+                <p14:modId xmlns:p14="http://schemas.microsoft.com/office/powerpoint/2010/main" val="4072415852"/>
               </p:ext>
             </p:extLst>
           </p:nvPr>
@@ -4830,11 +5737,11 @@
                     <a:p>
                       <a:r>
                         <a:rPr lang="en-US" dirty="0" smtClean="0"/>
-                        <a:t>A</a:t>
+                        <a:t>The</a:t>
                       </a:r>
                       <a:r>
                         <a:rPr lang="en-US" baseline="0" dirty="0" smtClean="0"/>
-                        <a:t> generated GUID value</a:t>
+                        <a:t> user ID (GUID)</a:t>
                       </a:r>
                       <a:endParaRPr lang="en-US" dirty="0"/>
                     </a:p>
@@ -4864,7 +5771,7 @@
                     <a:p>
                       <a:r>
                         <a:rPr lang="en-US" dirty="0" smtClean="0"/>
-                        <a:t>Email value by default</a:t>
+                        <a:t>Username</a:t>
                       </a:r>
                       <a:endParaRPr lang="en-US" dirty="0"/>
                     </a:p>
@@ -5009,7 +5916,11 @@
                     <a:p>
                       <a:r>
                         <a:rPr lang="en-US" dirty="0" smtClean="0"/>
-                        <a:t>A generated GUID value</a:t>
+                        <a:t>A unique</a:t>
+                      </a:r>
+                      <a:r>
+                        <a:rPr lang="en-US" baseline="0" dirty="0" smtClean="0"/>
+                        <a:t> security token (GUID)</a:t>
                       </a:r>
                       <a:endParaRPr lang="en-US" dirty="0"/>
                     </a:p>
@@ -5299,7 +6210,7 @@
         <p:spPr>
           <a:xfrm>
             <a:off x="6804248" y="908720"/>
-            <a:ext cx="2160240" cy="5632311"/>
+            <a:ext cx="2160240" cy="5847755"/>
           </a:xfrm>
           <a:prstGeom prst="rect">
             <a:avLst/>
@@ -5312,108 +6223,49 @@
           </a:bodyPr>
           <a:lstStyle/>
           <a:p>
-            <a:pPr marL="285750" indent="-285750">
-              <a:buFont typeface="Arial" panose="020B0604020202020204" pitchFamily="34" charset="0"/>
-              <a:buChar char="•"/>
-            </a:pPr>
-            <a:r>
-              <a:rPr lang="en-US" dirty="0" smtClean="0"/>
-              <a:t>Table for storing users</a:t>
-            </a:r>
-            <a:endParaRPr lang="en-US" dirty="0"/>
-          </a:p>
-          <a:p>
-            <a:pPr marL="285750" indent="-285750">
-              <a:buFont typeface="Arial" panose="020B0604020202020204" pitchFamily="34" charset="0"/>
-              <a:buChar char="•"/>
-            </a:pPr>
             <a:endParaRPr lang="en-US" dirty="0" smtClean="0"/>
           </a:p>
           <a:p>
-            <a:pPr marL="285750" indent="-285750">
-              <a:buFont typeface="Arial" panose="020B0604020202020204" pitchFamily="34" charset="0"/>
-              <a:buChar char="•"/>
-            </a:pPr>
-            <a:r>
-              <a:rPr lang="en-US" dirty="0" smtClean="0"/>
-              <a:t>User information</a:t>
+            <a:endParaRPr lang="en-US" sz="2000" dirty="0"/>
+          </a:p>
+          <a:p>
+            <a:r>
+              <a:rPr lang="en-US" sz="2000" dirty="0" smtClean="0"/>
+              <a:t>Table for storing users and user information</a:t>
             </a:r>
             <a:br>
-              <a:rPr lang="en-US" dirty="0" smtClean="0"/>
+              <a:rPr lang="en-US" sz="2000" dirty="0" smtClean="0"/>
             </a:br>
-            <a:endParaRPr lang="en-US" dirty="0" smtClean="0"/>
-          </a:p>
-          <a:p>
-            <a:pPr marL="285750" indent="-285750">
-              <a:buFont typeface="Arial" panose="020B0604020202020204" pitchFamily="34" charset="0"/>
-              <a:buChar char="•"/>
-            </a:pPr>
-            <a:endParaRPr lang="en-US" dirty="0"/>
-          </a:p>
-          <a:p>
-            <a:pPr marL="285750" indent="-285750">
-              <a:buFont typeface="Arial" panose="020B0604020202020204" pitchFamily="34" charset="0"/>
-              <a:buChar char="•"/>
-            </a:pPr>
-            <a:endParaRPr lang="en-US" dirty="0" smtClean="0"/>
-          </a:p>
-          <a:p>
-            <a:pPr marL="285750" indent="-285750">
-              <a:buFont typeface="Arial" panose="020B0604020202020204" pitchFamily="34" charset="0"/>
-              <a:buChar char="•"/>
-            </a:pPr>
-            <a:endParaRPr lang="en-US" dirty="0"/>
-          </a:p>
-          <a:p>
-            <a:pPr marL="285750" indent="-285750">
-              <a:buFont typeface="Arial" panose="020B0604020202020204" pitchFamily="34" charset="0"/>
-              <a:buChar char="•"/>
-            </a:pPr>
-            <a:endParaRPr lang="en-US" dirty="0" smtClean="0"/>
-          </a:p>
-          <a:p>
-            <a:pPr marL="285750" indent="-285750">
-              <a:buFont typeface="Arial" panose="020B0604020202020204" pitchFamily="34" charset="0"/>
-              <a:buChar char="•"/>
-            </a:pPr>
-            <a:endParaRPr lang="en-US" dirty="0" smtClean="0"/>
-          </a:p>
-          <a:p>
-            <a:pPr marL="285750" indent="-285750">
-              <a:buFont typeface="Arial" panose="020B0604020202020204" pitchFamily="34" charset="0"/>
-              <a:buChar char="•"/>
-            </a:pPr>
-            <a:endParaRPr lang="en-US" dirty="0" smtClean="0"/>
-          </a:p>
-          <a:p>
-            <a:pPr marL="285750" indent="-285750">
-              <a:buFont typeface="Arial" panose="020B0604020202020204" pitchFamily="34" charset="0"/>
-              <a:buChar char="•"/>
-            </a:pPr>
-            <a:r>
-              <a:rPr lang="en-US" dirty="0" smtClean="0"/>
-              <a:t>Two Factor Authentication feature</a:t>
-            </a:r>
-            <a:br>
-              <a:rPr lang="en-US" dirty="0" smtClean="0"/>
-            </a:br>
-            <a:endParaRPr lang="en-US" dirty="0" smtClean="0"/>
-          </a:p>
-          <a:p>
-            <a:pPr marL="285750" indent="-285750">
-              <a:buFont typeface="Arial" panose="020B0604020202020204" pitchFamily="34" charset="0"/>
-              <a:buChar char="•"/>
-            </a:pPr>
-            <a:endParaRPr lang="en-US" dirty="0" smtClean="0"/>
-          </a:p>
-          <a:p>
-            <a:pPr marL="285750" indent="-285750">
-              <a:buFont typeface="Arial" panose="020B0604020202020204" pitchFamily="34" charset="0"/>
-              <a:buChar char="•"/>
-            </a:pPr>
-            <a:r>
-              <a:rPr lang="en-US" dirty="0" smtClean="0"/>
-              <a:t>Account lockout feature</a:t>
+            <a:endParaRPr lang="en-US" sz="2000" dirty="0" smtClean="0"/>
+          </a:p>
+          <a:p>
+            <a:endParaRPr lang="en-US" sz="2000" dirty="0" smtClean="0"/>
+          </a:p>
+          <a:p>
+            <a:endParaRPr lang="en-US" sz="2000" dirty="0"/>
+          </a:p>
+          <a:p>
+            <a:endParaRPr lang="en-US" sz="2000" dirty="0" smtClean="0"/>
+          </a:p>
+          <a:p>
+            <a:endParaRPr lang="en-US" sz="2000" dirty="0" smtClean="0"/>
+          </a:p>
+          <a:p>
+            <a:r>
+              <a:rPr lang="en-US" sz="2000" dirty="0" smtClean="0"/>
+              <a:t>Two Factor Authentication fields </a:t>
+            </a:r>
+          </a:p>
+          <a:p>
+            <a:endParaRPr lang="en-US" sz="2000" dirty="0" smtClean="0"/>
+          </a:p>
+          <a:p>
+            <a:endParaRPr lang="en-US" sz="2000" dirty="0" smtClean="0"/>
+          </a:p>
+          <a:p>
+            <a:r>
+              <a:rPr lang="en-US" sz="2000" dirty="0" smtClean="0"/>
+              <a:t>Account lockout fields</a:t>
             </a:r>
           </a:p>
           <a:p>
@@ -5539,26 +6391,13 @@
           <a:p>
             <a:r>
               <a:rPr lang="en-US" sz="2400" dirty="0" smtClean="0"/>
-              <a:t>A GUID is a globally unique, randomly generated ,128-bit integer </a:t>
-            </a:r>
+              <a:t>A GUID is a globally unique, randomly generated ,128-bit integer ID</a:t>
+            </a:r>
+          </a:p>
+          <a:p>
             <a:r>
               <a:rPr lang="en-US" sz="2400" dirty="0" smtClean="0"/>
-              <a:t>ID</a:t>
-            </a:r>
-            <a:endParaRPr lang="en-US" sz="2400" dirty="0" smtClean="0"/>
-          </a:p>
-          <a:p>
-            <a:r>
-              <a:rPr lang="en-US" sz="2400" dirty="0"/>
-              <a:t>L</a:t>
-            </a:r>
-            <a:r>
-              <a:rPr lang="en-US" sz="2400" dirty="0" smtClean="0"/>
-              <a:t>ow </a:t>
-            </a:r>
-            <a:r>
-              <a:rPr lang="en-US" sz="2400" dirty="0" smtClean="0"/>
-              <a:t>chance of duplication</a:t>
+              <a:t>Extremely low chance of duplication and collision </a:t>
             </a:r>
           </a:p>
           <a:p>
@@ -5705,7 +6544,12 @@
             <p:ph idx="1"/>
           </p:nvPr>
         </p:nvSpPr>
-        <p:spPr/>
+        <p:spPr>
+          <a:xfrm>
+            <a:off x="457200" y="1052736"/>
+            <a:ext cx="8229600" cy="5073427"/>
+          </a:xfrm>
+        </p:spPr>
         <p:txBody>
           <a:bodyPr/>
           <a:lstStyle/>
@@ -5714,12 +6558,21 @@
               <a:buNone/>
             </a:pPr>
             <a:r>
-              <a:rPr lang="en-US" b="1" dirty="0" smtClean="0">
+              <a:rPr lang="en-US" sz="3200" b="1" dirty="0" smtClean="0">
                 <a:solidFill>
                   <a:srgbClr val="77933C"/>
                 </a:solidFill>
               </a:rPr>
-              <a:t>Password Hash</a:t>
+              <a:t>Password Hashing</a:t>
+            </a:r>
+          </a:p>
+          <a:p>
+            <a:pPr marL="0" indent="0">
+              <a:buNone/>
+            </a:pPr>
+            <a:r>
+              <a:rPr lang="en-US" dirty="0" smtClean="0"/>
+              <a:t>The password hashing field is generated in the following way:</a:t>
             </a:r>
           </a:p>
           <a:p>
@@ -5741,7 +6594,13 @@
           <a:p>
             <a:r>
               <a:rPr lang="en-US" sz="2400" dirty="0" smtClean="0"/>
-              <a:t>Salt contains 16 bytes (with a range between 0-255)</a:t>
+              <a:t>Hashed using PBFK2 hashing algorithm by default</a:t>
+            </a:r>
+          </a:p>
+          <a:p>
+            <a:r>
+              <a:rPr lang="en-US" sz="2400" dirty="0" smtClean="0"/>
+              <a:t>Salt contains 16 random bytes</a:t>
             </a:r>
           </a:p>
           <a:p>
@@ -5753,7 +6612,7 @@
           <a:p>
             <a:r>
               <a:rPr lang="en-US" sz="2400" dirty="0" smtClean="0"/>
-              <a:t>Converted to Base64String</a:t>
+              <a:t>Base64 encoded</a:t>
             </a:r>
           </a:p>
         </p:txBody>
@@ -5807,428 +6666,450 @@
         </p:nvSpPr>
         <p:spPr/>
         <p:txBody>
+          <a:bodyPr>
+            <a:normAutofit fontScale="90000"/>
+          </a:bodyPr>
+          <a:lstStyle/>
+          <a:p>
+            <a:r>
+              <a:rPr lang="en-US" sz="3200" b="1" dirty="0"/>
+              <a:t>ASP.NET Identity - Database</a:t>
+            </a:r>
+            <a:endParaRPr lang="en-US" dirty="0"/>
+          </a:p>
+        </p:txBody>
+      </p:sp>
+      <p:sp>
+        <p:nvSpPr>
+          <p:cNvPr id="3" name="Platshållare för innehåll 2"/>
+          <p:cNvSpPr>
+            <a:spLocks noGrp="1"/>
+          </p:cNvSpPr>
+          <p:nvPr>
+            <p:ph idx="1"/>
+          </p:nvPr>
+        </p:nvSpPr>
+        <p:spPr>
+          <a:xfrm>
+            <a:off x="457200" y="1052736"/>
+            <a:ext cx="8229600" cy="5073427"/>
+          </a:xfrm>
+        </p:spPr>
+        <p:txBody>
           <a:bodyPr/>
           <a:lstStyle/>
           <a:p>
-            <a:r>
-              <a:rPr lang="en-US" dirty="0" smtClean="0"/>
-              <a:t>ASP.NET Identity - Database</a:t>
-            </a:r>
-            <a:endParaRPr lang="en-US" dirty="0"/>
-          </a:p>
-        </p:txBody>
-      </p:sp>
-      <p:graphicFrame>
-        <p:nvGraphicFramePr>
-          <p:cNvPr id="4" name="Platshållare för innehåll 3"/>
-          <p:cNvGraphicFramePr>
-            <a:graphicFrameLocks noGrp="1"/>
-          </p:cNvGraphicFramePr>
-          <p:nvPr>
-            <p:ph idx="1"/>
-            <p:extLst>
-              <p:ext uri="{D42A27DB-BD31-4B8C-83A1-F6EECF244321}">
-                <p14:modId xmlns:p14="http://schemas.microsoft.com/office/powerpoint/2010/main" val="3831816072"/>
-              </p:ext>
-            </p:extLst>
-          </p:nvPr>
-        </p:nvGraphicFramePr>
-        <p:xfrm>
-          <a:off x="395536" y="980728"/>
-          <a:ext cx="5266928" cy="2088232"/>
-        </p:xfrm>
-        <a:graphic>
-          <a:graphicData uri="http://schemas.openxmlformats.org/drawingml/2006/table">
-            <a:tbl>
-              <a:tblPr firstRow="1" bandRow="1">
-                <a:tableStyleId>{5C22544A-7EE6-4342-B048-85BDC9FD1C3A}</a:tableStyleId>
-              </a:tblPr>
-              <a:tblGrid>
-                <a:gridCol w="2674640"/>
-                <a:gridCol w="2592288"/>
-              </a:tblGrid>
-              <a:tr h="663550">
-                <a:tc gridSpan="2">
-                  <a:txBody>
-                    <a:bodyPr/>
-                    <a:lstStyle/>
-                    <a:p>
-                      <a:pPr algn="ctr"/>
-                      <a:r>
-                        <a:rPr lang="en-US" sz="2800" dirty="0" smtClean="0"/>
-                        <a:t>AspNetRoles</a:t>
-                      </a:r>
-                      <a:endParaRPr lang="en-US" sz="2800" dirty="0"/>
-                    </a:p>
-                  </a:txBody>
-                  <a:tcPr/>
-                </a:tc>
-                <a:tc hMerge="1">
-                  <a:txBody>
-                    <a:bodyPr/>
-                    <a:lstStyle/>
-                    <a:p>
-                      <a:endParaRPr lang="en-US" dirty="0"/>
-                    </a:p>
-                  </a:txBody>
-                  <a:tcPr/>
-                </a:tc>
-              </a:tr>
-              <a:tr h="474894">
-                <a:tc>
-                  <a:txBody>
-                    <a:bodyPr/>
-                    <a:lstStyle/>
-                    <a:p>
-                      <a:r>
-                        <a:rPr lang="en-US" b="1" dirty="0" smtClean="0"/>
-                        <a:t>Column</a:t>
-                      </a:r>
-                      <a:endParaRPr lang="en-US" b="1" dirty="0"/>
-                    </a:p>
-                  </a:txBody>
-                  <a:tcPr/>
-                </a:tc>
-                <a:tc>
-                  <a:txBody>
-                    <a:bodyPr/>
-                    <a:lstStyle/>
-                    <a:p>
-                      <a:r>
-                        <a:rPr lang="en-US" b="1" dirty="0" smtClean="0"/>
-                        <a:t>Description</a:t>
-                      </a:r>
-                      <a:endParaRPr lang="en-US" b="1" dirty="0"/>
-                    </a:p>
-                  </a:txBody>
-                  <a:tcPr/>
-                </a:tc>
-              </a:tr>
-              <a:tr h="474894">
-                <a:tc>
-                  <a:txBody>
-                    <a:bodyPr/>
-                    <a:lstStyle/>
-                    <a:p>
-                      <a:r>
-                        <a:rPr lang="en-US" dirty="0" smtClean="0"/>
-                        <a:t>Id</a:t>
-                      </a:r>
-                      <a:endParaRPr lang="en-US" dirty="0"/>
-                    </a:p>
-                  </a:txBody>
-                  <a:tcPr/>
-                </a:tc>
-                <a:tc>
-                  <a:txBody>
-                    <a:bodyPr/>
-                    <a:lstStyle/>
-                    <a:p>
-                      <a:r>
-                        <a:rPr lang="en-US" dirty="0" smtClean="0"/>
-                        <a:t>A generated GUID value</a:t>
-                      </a:r>
-                      <a:endParaRPr lang="en-US" dirty="0"/>
-                    </a:p>
-                  </a:txBody>
-                  <a:tcPr/>
-                </a:tc>
-              </a:tr>
-              <a:tr h="474894">
-                <a:tc>
-                  <a:txBody>
-                    <a:bodyPr/>
-                    <a:lstStyle/>
-                    <a:p>
-                      <a:r>
-                        <a:rPr lang="en-US" dirty="0" smtClean="0"/>
-                        <a:t>Name</a:t>
-                      </a:r>
-                      <a:endParaRPr lang="en-US" dirty="0"/>
-                    </a:p>
-                  </a:txBody>
-                  <a:tcPr/>
-                </a:tc>
-                <a:tc>
-                  <a:txBody>
-                    <a:bodyPr/>
-                    <a:lstStyle/>
-                    <a:p>
-                      <a:r>
-                        <a:rPr lang="en-US" dirty="0" smtClean="0"/>
-                        <a:t>The name of the</a:t>
-                      </a:r>
-                      <a:r>
-                        <a:rPr lang="en-US" baseline="0" dirty="0" smtClean="0"/>
-                        <a:t> role</a:t>
-                      </a:r>
-                      <a:endParaRPr lang="en-US" dirty="0"/>
-                    </a:p>
-                  </a:txBody>
-                  <a:tcPr/>
-                </a:tc>
-              </a:tr>
-            </a:tbl>
-          </a:graphicData>
-        </a:graphic>
-      </p:graphicFrame>
-      <p:graphicFrame>
-        <p:nvGraphicFramePr>
-          <p:cNvPr id="6" name="Platshållare för innehåll 3"/>
-          <p:cNvGraphicFramePr>
-            <a:graphicFrameLocks/>
-          </p:cNvGraphicFramePr>
-          <p:nvPr>
-            <p:extLst>
-              <p:ext uri="{D42A27DB-BD31-4B8C-83A1-F6EECF244321}">
-                <p14:modId xmlns:p14="http://schemas.microsoft.com/office/powerpoint/2010/main" val="3214134684"/>
-              </p:ext>
-            </p:extLst>
-          </p:nvPr>
-        </p:nvGraphicFramePr>
-        <p:xfrm>
-          <a:off x="395536" y="3501008"/>
-          <a:ext cx="5266928" cy="2088232"/>
-        </p:xfrm>
-        <a:graphic>
-          <a:graphicData uri="http://schemas.openxmlformats.org/drawingml/2006/table">
-            <a:tbl>
-              <a:tblPr firstRow="1" bandRow="1">
-                <a:tableStyleId>{5C22544A-7EE6-4342-B048-85BDC9FD1C3A}</a:tableStyleId>
-              </a:tblPr>
-              <a:tblGrid>
-                <a:gridCol w="2674640"/>
-                <a:gridCol w="2592288"/>
-              </a:tblGrid>
-              <a:tr h="663550">
-                <a:tc gridSpan="2">
-                  <a:txBody>
-                    <a:bodyPr/>
-                    <a:lstStyle/>
-                    <a:p>
-                      <a:pPr algn="ctr"/>
-                      <a:r>
-                        <a:rPr lang="en-US" sz="2800" dirty="0" smtClean="0"/>
-                        <a:t>AspNetUserRoles</a:t>
-                      </a:r>
-                      <a:endParaRPr lang="en-US" sz="2800" dirty="0"/>
-                    </a:p>
-                  </a:txBody>
-                  <a:tcPr/>
-                </a:tc>
-                <a:tc hMerge="1">
-                  <a:txBody>
-                    <a:bodyPr/>
-                    <a:lstStyle/>
-                    <a:p>
-                      <a:endParaRPr lang="en-US" dirty="0"/>
-                    </a:p>
-                  </a:txBody>
-                  <a:tcPr/>
-                </a:tc>
-              </a:tr>
-              <a:tr h="474894">
-                <a:tc>
-                  <a:txBody>
-                    <a:bodyPr/>
-                    <a:lstStyle/>
-                    <a:p>
-                      <a:r>
-                        <a:rPr lang="en-US" b="1" dirty="0" smtClean="0"/>
-                        <a:t>Column</a:t>
-                      </a:r>
-                      <a:endParaRPr lang="en-US" b="1" dirty="0"/>
-                    </a:p>
-                  </a:txBody>
-                  <a:tcPr/>
-                </a:tc>
-                <a:tc>
-                  <a:txBody>
-                    <a:bodyPr/>
-                    <a:lstStyle/>
-                    <a:p>
-                      <a:r>
-                        <a:rPr lang="en-US" b="1" dirty="0" smtClean="0"/>
-                        <a:t>Description</a:t>
-                      </a:r>
-                      <a:endParaRPr lang="en-US" b="1" dirty="0"/>
-                    </a:p>
-                  </a:txBody>
-                  <a:tcPr/>
-                </a:tc>
-              </a:tr>
-              <a:tr h="474894">
-                <a:tc>
-                  <a:txBody>
-                    <a:bodyPr/>
-                    <a:lstStyle/>
-                    <a:p>
-                      <a:r>
-                        <a:rPr lang="en-US" dirty="0" smtClean="0"/>
-                        <a:t>UserId</a:t>
-                      </a:r>
-                      <a:endParaRPr lang="en-US" dirty="0"/>
-                    </a:p>
-                  </a:txBody>
-                  <a:tcPr/>
-                </a:tc>
-                <a:tc>
-                  <a:txBody>
-                    <a:bodyPr/>
-                    <a:lstStyle/>
-                    <a:p>
-                      <a:r>
-                        <a:rPr lang="en-US" dirty="0" smtClean="0"/>
-                        <a:t>The</a:t>
-                      </a:r>
-                      <a:r>
-                        <a:rPr lang="en-US" baseline="0" dirty="0" smtClean="0"/>
-                        <a:t> Users ID</a:t>
-                      </a:r>
-                      <a:endParaRPr lang="en-US" dirty="0"/>
-                    </a:p>
-                  </a:txBody>
-                  <a:tcPr/>
-                </a:tc>
-              </a:tr>
-              <a:tr h="474894">
-                <a:tc>
-                  <a:txBody>
-                    <a:bodyPr/>
-                    <a:lstStyle/>
-                    <a:p>
-                      <a:r>
-                        <a:rPr lang="en-US" dirty="0" smtClean="0"/>
-                        <a:t>RoleId</a:t>
-                      </a:r>
-                      <a:endParaRPr lang="en-US" dirty="0"/>
-                    </a:p>
-                  </a:txBody>
-                  <a:tcPr/>
-                </a:tc>
-                <a:tc>
-                  <a:txBody>
-                    <a:bodyPr/>
-                    <a:lstStyle/>
-                    <a:p>
-                      <a:r>
-                        <a:rPr lang="en-US" dirty="0" smtClean="0"/>
-                        <a:t>The Roles ID</a:t>
-                      </a:r>
-                      <a:endParaRPr lang="en-US" dirty="0"/>
-                    </a:p>
-                  </a:txBody>
-                  <a:tcPr/>
-                </a:tc>
-              </a:tr>
-            </a:tbl>
-          </a:graphicData>
-        </a:graphic>
-      </p:graphicFrame>
-      <p:sp>
-        <p:nvSpPr>
-          <p:cNvPr id="7" name="textruta 6"/>
-          <p:cNvSpPr txBox="1"/>
+            <a:pPr marL="0" indent="0">
+              <a:buNone/>
+            </a:pPr>
+            <a:r>
+              <a:rPr lang="en-US" sz="3200" b="1" dirty="0" smtClean="0">
+                <a:solidFill>
+                  <a:srgbClr val="77933C"/>
+                </a:solidFill>
+              </a:rPr>
+              <a:t>Password Hashing</a:t>
+            </a:r>
+          </a:p>
+          <a:p>
+            <a:pPr marL="0" indent="0">
+              <a:buNone/>
+            </a:pPr>
+            <a:endParaRPr lang="en-US" sz="3200" b="1" dirty="0" smtClean="0">
+              <a:solidFill>
+                <a:srgbClr val="77933C"/>
+              </a:solidFill>
+            </a:endParaRPr>
+          </a:p>
+        </p:txBody>
+      </p:sp>
+      <p:sp>
+        <p:nvSpPr>
+          <p:cNvPr id="19" name="Rektangel 18"/>
+          <p:cNvSpPr/>
           <p:nvPr/>
         </p:nvSpPr>
         <p:spPr>
           <a:xfrm>
-            <a:off x="5868144" y="1052736"/>
-            <a:ext cx="3168352" cy="3139321"/>
+            <a:off x="1511660" y="1960607"/>
+            <a:ext cx="2088232" cy="576064"/>
           </a:xfrm>
           <a:prstGeom prst="rect">
             <a:avLst/>
           </a:prstGeom>
-          <a:noFill/>
         </p:spPr>
-        <p:txBody>
-          <a:bodyPr wrap="square" rtlCol="0">
-            <a:spAutoFit/>
-          </a:bodyPr>
+        <p:style>
+          <a:lnRef idx="2">
+            <a:schemeClr val="accent1">
+              <a:shade val="50000"/>
+            </a:schemeClr>
+          </a:lnRef>
+          <a:fillRef idx="1">
+            <a:schemeClr val="accent1"/>
+          </a:fillRef>
+          <a:effectRef idx="0">
+            <a:schemeClr val="accent1"/>
+          </a:effectRef>
+          <a:fontRef idx="minor">
+            <a:schemeClr val="lt1"/>
+          </a:fontRef>
+        </p:style>
+        <p:txBody>
+          <a:bodyPr rtlCol="0" anchor="ctr"/>
           <a:lstStyle/>
           <a:p>
-            <a:pPr marL="285750" indent="-285750">
-              <a:buFont typeface="Arial" panose="020B0604020202020204" pitchFamily="34" charset="0"/>
-              <a:buChar char="•"/>
-            </a:pPr>
+            <a:pPr algn="ctr"/>
             <a:r>
               <a:rPr lang="en-US" dirty="0" smtClean="0"/>
-              <a:t>Table for storing roles</a:t>
-            </a:r>
-          </a:p>
-          <a:p>
-            <a:pPr marL="285750" indent="-285750">
-              <a:buFont typeface="Arial" panose="020B0604020202020204" pitchFamily="34" charset="0"/>
-              <a:buChar char="•"/>
-            </a:pPr>
+              <a:t>Salt</a:t>
+            </a:r>
             <a:endParaRPr lang="en-US" dirty="0"/>
           </a:p>
-          <a:p>
-            <a:pPr marL="285750" indent="-285750">
-              <a:buFont typeface="Arial" panose="020B0604020202020204" pitchFamily="34" charset="0"/>
-              <a:buChar char="•"/>
-            </a:pPr>
-            <a:endParaRPr lang="en-US" dirty="0" smtClean="0"/>
-          </a:p>
-          <a:p>
-            <a:pPr marL="285750" indent="-285750">
-              <a:buFont typeface="Arial" panose="020B0604020202020204" pitchFamily="34" charset="0"/>
-              <a:buChar char="•"/>
-            </a:pPr>
+        </p:txBody>
+      </p:sp>
+      <p:sp>
+        <p:nvSpPr>
+          <p:cNvPr id="24" name="Rektangel 23"/>
+          <p:cNvSpPr/>
+          <p:nvPr/>
+        </p:nvSpPr>
+        <p:spPr>
+          <a:xfrm>
+            <a:off x="5704771" y="1960607"/>
+            <a:ext cx="2088232" cy="576064"/>
+          </a:xfrm>
+          <a:prstGeom prst="rect">
+            <a:avLst/>
+          </a:prstGeom>
+        </p:spPr>
+        <p:style>
+          <a:lnRef idx="2">
+            <a:schemeClr val="accent1">
+              <a:shade val="50000"/>
+            </a:schemeClr>
+          </a:lnRef>
+          <a:fillRef idx="1">
+            <a:schemeClr val="accent1"/>
+          </a:fillRef>
+          <a:effectRef idx="0">
+            <a:schemeClr val="accent1"/>
+          </a:effectRef>
+          <a:fontRef idx="minor">
+            <a:schemeClr val="lt1"/>
+          </a:fontRef>
+        </p:style>
+        <p:txBody>
+          <a:bodyPr rtlCol="0" anchor="ctr"/>
+          <a:lstStyle/>
+          <a:p>
+            <a:pPr algn="ctr"/>
+            <a:r>
+              <a:rPr lang="en-US" dirty="0" smtClean="0"/>
+              <a:t>Hash</a:t>
+            </a:r>
             <a:endParaRPr lang="en-US" dirty="0"/>
           </a:p>
-          <a:p>
-            <a:pPr marL="285750" indent="-285750">
-              <a:buFont typeface="Arial" panose="020B0604020202020204" pitchFamily="34" charset="0"/>
-              <a:buChar char="•"/>
-            </a:pPr>
-            <a:endParaRPr lang="en-US" dirty="0" smtClean="0"/>
-          </a:p>
-          <a:p>
-            <a:pPr marL="285750" indent="-285750">
-              <a:buFont typeface="Arial" panose="020B0604020202020204" pitchFamily="34" charset="0"/>
-              <a:buChar char="•"/>
-            </a:pPr>
+        </p:txBody>
+      </p:sp>
+      <p:sp>
+        <p:nvSpPr>
+          <p:cNvPr id="25" name="Rektangel 24"/>
+          <p:cNvSpPr/>
+          <p:nvPr/>
+        </p:nvSpPr>
+        <p:spPr>
+          <a:xfrm>
+            <a:off x="3599892" y="3591272"/>
+            <a:ext cx="2088232" cy="576064"/>
+          </a:xfrm>
+          <a:prstGeom prst="rect">
+            <a:avLst/>
+          </a:prstGeom>
+        </p:spPr>
+        <p:style>
+          <a:lnRef idx="2">
+            <a:schemeClr val="accent1">
+              <a:shade val="50000"/>
+            </a:schemeClr>
+          </a:lnRef>
+          <a:fillRef idx="1">
+            <a:schemeClr val="accent1"/>
+          </a:fillRef>
+          <a:effectRef idx="0">
+            <a:schemeClr val="accent1"/>
+          </a:effectRef>
+          <a:fontRef idx="minor">
+            <a:schemeClr val="lt1"/>
+          </a:fontRef>
+        </p:style>
+        <p:txBody>
+          <a:bodyPr rtlCol="0" anchor="ctr"/>
+          <a:lstStyle/>
+          <a:p>
+            <a:pPr algn="ctr"/>
+            <a:r>
+              <a:rPr lang="en-US" dirty="0" smtClean="0"/>
+              <a:t>Salt + Hash</a:t>
+            </a:r>
             <a:endParaRPr lang="en-US" dirty="0"/>
           </a:p>
-          <a:p>
-            <a:pPr marL="285750" indent="-285750">
-              <a:buFont typeface="Arial" panose="020B0604020202020204" pitchFamily="34" charset="0"/>
-              <a:buChar char="•"/>
-            </a:pPr>
-            <a:endParaRPr lang="en-US" dirty="0" smtClean="0"/>
-          </a:p>
-          <a:p>
-            <a:pPr marL="285750" indent="-285750">
-              <a:buFont typeface="Arial" panose="020B0604020202020204" pitchFamily="34" charset="0"/>
-              <a:buChar char="•"/>
-            </a:pPr>
+        </p:txBody>
+      </p:sp>
+      <p:sp>
+        <p:nvSpPr>
+          <p:cNvPr id="26" name="Rektangel 25"/>
+          <p:cNvSpPr/>
+          <p:nvPr/>
+        </p:nvSpPr>
+        <p:spPr>
+          <a:xfrm>
+            <a:off x="3599892" y="4735882"/>
+            <a:ext cx="2088232" cy="576064"/>
+          </a:xfrm>
+          <a:prstGeom prst="rect">
+            <a:avLst/>
+          </a:prstGeom>
+        </p:spPr>
+        <p:style>
+          <a:lnRef idx="2">
+            <a:schemeClr val="accent1">
+              <a:shade val="50000"/>
+            </a:schemeClr>
+          </a:lnRef>
+          <a:fillRef idx="1">
+            <a:schemeClr val="accent1"/>
+          </a:fillRef>
+          <a:effectRef idx="0">
+            <a:schemeClr val="accent1"/>
+          </a:effectRef>
+          <a:fontRef idx="minor">
+            <a:schemeClr val="lt1"/>
+          </a:fontRef>
+        </p:style>
+        <p:txBody>
+          <a:bodyPr rtlCol="0" anchor="ctr"/>
+          <a:lstStyle/>
+          <a:p>
+            <a:pPr algn="ctr"/>
+            <a:r>
+              <a:rPr lang="en-US" dirty="0" smtClean="0"/>
+              <a:t>Base 64 encoding</a:t>
+            </a:r>
             <a:endParaRPr lang="en-US" dirty="0"/>
           </a:p>
-          <a:p>
-            <a:pPr marL="285750" indent="-285750">
-              <a:buFont typeface="Arial" panose="020B0604020202020204" pitchFamily="34" charset="0"/>
-              <a:buChar char="•"/>
-            </a:pPr>
-            <a:endParaRPr lang="en-US" dirty="0" smtClean="0"/>
-          </a:p>
-          <a:p>
-            <a:pPr marL="285750" indent="-285750">
-              <a:buFont typeface="Arial" panose="020B0604020202020204" pitchFamily="34" charset="0"/>
-              <a:buChar char="•"/>
-            </a:pPr>
+        </p:txBody>
+      </p:sp>
+      <p:sp>
+        <p:nvSpPr>
+          <p:cNvPr id="27" name="Rektangel 26"/>
+          <p:cNvSpPr/>
+          <p:nvPr/>
+        </p:nvSpPr>
+        <p:spPr>
+          <a:xfrm>
+            <a:off x="3599892" y="5852006"/>
+            <a:ext cx="2088232" cy="576064"/>
+          </a:xfrm>
+          <a:prstGeom prst="rect">
+            <a:avLst/>
+          </a:prstGeom>
+        </p:spPr>
+        <p:style>
+          <a:lnRef idx="2">
+            <a:schemeClr val="accent1">
+              <a:shade val="50000"/>
+            </a:schemeClr>
+          </a:lnRef>
+          <a:fillRef idx="1">
+            <a:schemeClr val="accent1"/>
+          </a:fillRef>
+          <a:effectRef idx="0">
+            <a:schemeClr val="accent1"/>
+          </a:effectRef>
+          <a:fontRef idx="minor">
+            <a:schemeClr val="lt1"/>
+          </a:fontRef>
+        </p:style>
+        <p:txBody>
+          <a:bodyPr rtlCol="0" anchor="ctr"/>
+          <a:lstStyle/>
+          <a:p>
+            <a:pPr algn="ctr"/>
             <a:r>
               <a:rPr lang="en-US" dirty="0" smtClean="0"/>
-              <a:t>A relation table between users and roles</a:t>
+              <a:t>Password hash</a:t>
             </a:r>
             <a:endParaRPr lang="en-US" dirty="0"/>
           </a:p>
         </p:txBody>
       </p:sp>
+      <p:cxnSp>
+        <p:nvCxnSpPr>
+          <p:cNvPr id="41" name="Vinklad  40"/>
+          <p:cNvCxnSpPr>
+            <a:stCxn id="19" idx="2"/>
+          </p:cNvCxnSpPr>
+          <p:nvPr/>
+        </p:nvCxnSpPr>
+        <p:spPr>
+          <a:xfrm rot="16200000" flipH="1">
+            <a:off x="3333748" y="1758699"/>
+            <a:ext cx="532289" cy="2088232"/>
+          </a:xfrm>
+          <a:prstGeom prst="bentConnector2">
+            <a:avLst/>
+          </a:prstGeom>
+        </p:spPr>
+        <p:style>
+          <a:lnRef idx="3">
+            <a:schemeClr val="dk1"/>
+          </a:lnRef>
+          <a:fillRef idx="0">
+            <a:schemeClr val="dk1"/>
+          </a:fillRef>
+          <a:effectRef idx="2">
+            <a:schemeClr val="dk1"/>
+          </a:effectRef>
+          <a:fontRef idx="minor">
+            <a:schemeClr val="tx1"/>
+          </a:fontRef>
+        </p:style>
+      </p:cxnSp>
+      <p:cxnSp>
+        <p:nvCxnSpPr>
+          <p:cNvPr id="43" name="Vinklad  42"/>
+          <p:cNvCxnSpPr>
+            <a:stCxn id="24" idx="2"/>
+          </p:cNvCxnSpPr>
+          <p:nvPr/>
+        </p:nvCxnSpPr>
+        <p:spPr>
+          <a:xfrm rot="5400000">
+            <a:off x="5430304" y="1750376"/>
+            <a:ext cx="532289" cy="2104879"/>
+          </a:xfrm>
+          <a:prstGeom prst="bentConnector2">
+            <a:avLst/>
+          </a:prstGeom>
+        </p:spPr>
+        <p:style>
+          <a:lnRef idx="3">
+            <a:schemeClr val="dk1"/>
+          </a:lnRef>
+          <a:fillRef idx="0">
+            <a:schemeClr val="dk1"/>
+          </a:fillRef>
+          <a:effectRef idx="2">
+            <a:schemeClr val="dk1"/>
+          </a:effectRef>
+          <a:fontRef idx="minor">
+            <a:schemeClr val="tx1"/>
+          </a:fontRef>
+        </p:style>
+      </p:cxnSp>
+      <p:cxnSp>
+        <p:nvCxnSpPr>
+          <p:cNvPr id="45" name="Rak pil 44"/>
+          <p:cNvCxnSpPr/>
+          <p:nvPr/>
+        </p:nvCxnSpPr>
+        <p:spPr>
+          <a:xfrm>
+            <a:off x="4644008" y="3068960"/>
+            <a:ext cx="0" cy="432048"/>
+          </a:xfrm>
+          <a:prstGeom prst="straightConnector1">
+            <a:avLst/>
+          </a:prstGeom>
+          <a:ln>
+            <a:tailEnd type="triangle"/>
+          </a:ln>
+        </p:spPr>
+        <p:style>
+          <a:lnRef idx="3">
+            <a:schemeClr val="dk1"/>
+          </a:lnRef>
+          <a:fillRef idx="0">
+            <a:schemeClr val="dk1"/>
+          </a:fillRef>
+          <a:effectRef idx="2">
+            <a:schemeClr val="dk1"/>
+          </a:effectRef>
+          <a:fontRef idx="minor">
+            <a:schemeClr val="tx1"/>
+          </a:fontRef>
+        </p:style>
+      </p:cxnSp>
+      <p:cxnSp>
+        <p:nvCxnSpPr>
+          <p:cNvPr id="47" name="Rak pil 46"/>
+          <p:cNvCxnSpPr/>
+          <p:nvPr/>
+        </p:nvCxnSpPr>
+        <p:spPr>
+          <a:xfrm>
+            <a:off x="4644008" y="5311946"/>
+            <a:ext cx="0" cy="432048"/>
+          </a:xfrm>
+          <a:prstGeom prst="straightConnector1">
+            <a:avLst/>
+          </a:prstGeom>
+          <a:ln>
+            <a:tailEnd type="triangle"/>
+          </a:ln>
+        </p:spPr>
+        <p:style>
+          <a:lnRef idx="3">
+            <a:schemeClr val="dk1"/>
+          </a:lnRef>
+          <a:fillRef idx="0">
+            <a:schemeClr val="dk1"/>
+          </a:fillRef>
+          <a:effectRef idx="2">
+            <a:schemeClr val="dk1"/>
+          </a:effectRef>
+          <a:fontRef idx="minor">
+            <a:schemeClr val="tx1"/>
+          </a:fontRef>
+        </p:style>
+      </p:cxnSp>
+      <p:cxnSp>
+        <p:nvCxnSpPr>
+          <p:cNvPr id="48" name="Rak pil 47"/>
+          <p:cNvCxnSpPr/>
+          <p:nvPr/>
+        </p:nvCxnSpPr>
+        <p:spPr>
+          <a:xfrm>
+            <a:off x="4630105" y="4167336"/>
+            <a:ext cx="0" cy="432048"/>
+          </a:xfrm>
+          <a:prstGeom prst="straightConnector1">
+            <a:avLst/>
+          </a:prstGeom>
+          <a:ln>
+            <a:tailEnd type="triangle"/>
+          </a:ln>
+        </p:spPr>
+        <p:style>
+          <a:lnRef idx="3">
+            <a:schemeClr val="dk1"/>
+          </a:lnRef>
+          <a:fillRef idx="0">
+            <a:schemeClr val="dk1"/>
+          </a:fillRef>
+          <a:effectRef idx="2">
+            <a:schemeClr val="dk1"/>
+          </a:effectRef>
+          <a:fontRef idx="minor">
+            <a:schemeClr val="tx1"/>
+          </a:fontRef>
+        </p:style>
+      </p:cxnSp>
     </p:spTree>
     <p:extLst>
       <p:ext uri="{BB962C8B-B14F-4D97-AF65-F5344CB8AC3E}">
-        <p14:creationId xmlns:p14="http://schemas.microsoft.com/office/powerpoint/2010/main" val="3541063250"/>
+        <p14:creationId xmlns:p14="http://schemas.microsoft.com/office/powerpoint/2010/main" val="201639467"/>
       </p:ext>
     </p:extLst>
   </p:cSld>
@@ -6264,7 +7145,74 @@
       </p:grpSpPr>
       <p:sp>
         <p:nvSpPr>
-          <p:cNvPr id="2" name="Rubrik 1"/>
+          <p:cNvPr id="2" name="Subtitle 1"/>
+          <p:cNvSpPr>
+            <a:spLocks noGrp="1"/>
+          </p:cNvSpPr>
+          <p:nvPr>
+            <p:ph type="subTitle" idx="1"/>
+          </p:nvPr>
+        </p:nvSpPr>
+        <p:spPr>
+          <a:xfrm>
+            <a:off x="467544" y="1124744"/>
+            <a:ext cx="7920880" cy="4864379"/>
+          </a:xfrm>
+        </p:spPr>
+        <p:txBody>
+          <a:bodyPr>
+            <a:normAutofit/>
+          </a:bodyPr>
+          <a:lstStyle/>
+          <a:p>
+            <a:pPr algn="l"/>
+            <a:r>
+              <a:rPr lang="en-US" sz="2800" b="1" dirty="0">
+                <a:solidFill>
+                  <a:srgbClr val="77933C"/>
+                </a:solidFill>
+              </a:rPr>
+              <a:t>Password </a:t>
+            </a:r>
+            <a:r>
+              <a:rPr lang="en-US" sz="2800" b="1" dirty="0" smtClean="0">
+                <a:solidFill>
+                  <a:srgbClr val="77933C"/>
+                </a:solidFill>
+              </a:rPr>
+              <a:t>Hashing</a:t>
+            </a:r>
+            <a:endParaRPr lang="en-US" sz="2800" dirty="0" smtClean="0">
+              <a:latin typeface="+mn-lt"/>
+            </a:endParaRPr>
+          </a:p>
+          <a:p>
+            <a:pPr algn="l"/>
+            <a:r>
+              <a:rPr lang="en-US" sz="2800" dirty="0" smtClean="0">
+                <a:latin typeface="+mn-lt"/>
+              </a:rPr>
+              <a:t>Some of the more common hashing algorithms are:</a:t>
+            </a:r>
+          </a:p>
+          <a:p>
+            <a:endParaRPr lang="en-US" dirty="0" smtClean="0"/>
+          </a:p>
+          <a:p>
+            <a:endParaRPr lang="en-US" dirty="0" smtClean="0"/>
+          </a:p>
+          <a:p>
+            <a:pPr marL="342900" indent="-342900">
+              <a:buFont typeface="Arial" pitchFamily="34" charset="0"/>
+              <a:buChar char="•"/>
+            </a:pPr>
+            <a:endParaRPr lang="en-US" dirty="0" smtClean="0"/>
+          </a:p>
+        </p:txBody>
+      </p:sp>
+      <p:sp>
+        <p:nvSpPr>
+          <p:cNvPr id="3" name="Title 2"/>
           <p:cNvSpPr>
             <a:spLocks noGrp="1"/>
           </p:cNvSpPr>
@@ -6278,31 +7226,32 @@
           <a:lstStyle/>
           <a:p>
             <a:r>
-              <a:rPr lang="en-US" dirty="0" smtClean="0"/>
+              <a:rPr lang="en-US" sz="2400" dirty="0"/>
               <a:t>ASP.NET Identity - Database</a:t>
             </a:r>
-            <a:endParaRPr lang="en-US" dirty="0"/>
+            <a:endParaRPr lang="en-US" sz="2400" dirty="0">
+              <a:latin typeface="Calibri" pitchFamily="34" charset="0"/>
+            </a:endParaRPr>
           </a:p>
         </p:txBody>
       </p:sp>
       <p:graphicFrame>
         <p:nvGraphicFramePr>
-          <p:cNvPr id="4" name="Platshållare för innehåll 3"/>
+          <p:cNvPr id="4" name="Table 3"/>
           <p:cNvGraphicFramePr>
             <a:graphicFrameLocks noGrp="1"/>
           </p:cNvGraphicFramePr>
           <p:nvPr>
-            <p:ph idx="1"/>
             <p:extLst>
               <p:ext uri="{D42A27DB-BD31-4B8C-83A1-F6EECF244321}">
-                <p14:modId xmlns:p14="http://schemas.microsoft.com/office/powerpoint/2010/main" val="1018006582"/>
+                <p14:modId xmlns:p14="http://schemas.microsoft.com/office/powerpoint/2010/main" val="3975285198"/>
               </p:ext>
             </p:extLst>
           </p:nvPr>
         </p:nvGraphicFramePr>
         <p:xfrm>
-          <a:off x="467544" y="1988840"/>
-          <a:ext cx="5338936" cy="2270760"/>
+          <a:off x="611560" y="2384658"/>
+          <a:ext cx="6372708" cy="2827020"/>
         </p:xfrm>
         <a:graphic>
           <a:graphicData uri="http://schemas.openxmlformats.org/drawingml/2006/table">
@@ -6311,225 +7260,528 @@
                 <a:tableStyleId>{5C22544A-7EE6-4342-B048-85BDC9FD1C3A}</a:tableStyleId>
               </a:tblPr>
               <a:tblGrid>
-                <a:gridCol w="1872208"/>
-                <a:gridCol w="3466728"/>
+                <a:gridCol w="810090"/>
+                <a:gridCol w="810090"/>
+                <a:gridCol w="702078"/>
+                <a:gridCol w="1242138"/>
+                <a:gridCol w="2808312"/>
               </a:tblGrid>
-              <a:tr h="370840">
-                <a:tc gridSpan="2">
-                  <a:txBody>
-                    <a:bodyPr/>
-                    <a:lstStyle/>
-                    <a:p>
-                      <a:pPr algn="ctr"/>
-                      <a:r>
-                        <a:rPr lang="en-US" sz="2800" b="1" dirty="0" smtClean="0"/>
-                        <a:t>AspNetUserLogins</a:t>
-                      </a:r>
-                      <a:endParaRPr lang="en-US" sz="2800" b="1" dirty="0"/>
-                    </a:p>
-                  </a:txBody>
-                  <a:tcPr/>
-                </a:tc>
-                <a:tc hMerge="1">
-                  <a:txBody>
-                    <a:bodyPr/>
-                    <a:lstStyle/>
-                    <a:p>
-                      <a:endParaRPr lang="en-US" dirty="0"/>
-                    </a:p>
-                  </a:txBody>
-                  <a:tcPr/>
+              <a:tr h="480060">
+                <a:tc>
+                  <a:txBody>
+                    <a:bodyPr/>
+                    <a:lstStyle/>
+                    <a:p>
+                      <a:r>
+                        <a:rPr lang="en-US" sz="1400" dirty="0" smtClean="0"/>
+                        <a:t>Name</a:t>
+                      </a:r>
+                      <a:endParaRPr lang="en-US" sz="1400" dirty="0"/>
+                    </a:p>
+                  </a:txBody>
+                  <a:tcPr marL="68580" marR="68580" marT="34290" marB="34290"/>
+                </a:tc>
+                <a:tc>
+                  <a:txBody>
+                    <a:bodyPr/>
+                    <a:lstStyle/>
+                    <a:p>
+                      <a:r>
+                        <a:rPr lang="en-US" sz="1400" dirty="0" smtClean="0"/>
+                        <a:t>Hash length</a:t>
+                      </a:r>
+                      <a:endParaRPr lang="en-US" sz="1400" dirty="0"/>
+                    </a:p>
+                  </a:txBody>
+                  <a:tcPr marL="68580" marR="68580" marT="34290" marB="34290"/>
+                </a:tc>
+                <a:tc>
+                  <a:txBody>
+                    <a:bodyPr/>
+                    <a:lstStyle/>
+                    <a:p>
+                      <a:r>
+                        <a:rPr lang="en-US" sz="1400" dirty="0" smtClean="0"/>
+                        <a:t>Speed</a:t>
+                      </a:r>
+                      <a:endParaRPr lang="en-US" sz="1400" dirty="0"/>
+                    </a:p>
+                  </a:txBody>
+                  <a:tcPr marL="68580" marR="68580" marT="34290" marB="34290"/>
+                </a:tc>
+                <a:tc>
+                  <a:txBody>
+                    <a:bodyPr/>
+                    <a:lstStyle/>
+                    <a:p>
+                      <a:r>
+                        <a:rPr lang="en-US" sz="1400" dirty="0" smtClean="0"/>
+                        <a:t>Memory need</a:t>
+                      </a:r>
+                      <a:endParaRPr lang="en-US" sz="1400" dirty="0"/>
+                    </a:p>
+                  </a:txBody>
+                  <a:tcPr marL="68580" marR="68580" marT="34290" marB="34290"/>
+                </a:tc>
+                <a:tc>
+                  <a:txBody>
+                    <a:bodyPr/>
+                    <a:lstStyle/>
+                    <a:p>
+                      <a:r>
+                        <a:rPr lang="en-US" sz="1400" dirty="0" smtClean="0"/>
+                        <a:t>Comment</a:t>
+                      </a:r>
+                      <a:endParaRPr lang="en-US" sz="1400" dirty="0"/>
+                    </a:p>
+                  </a:txBody>
+                  <a:tcPr marL="68580" marR="68580" marT="34290" marB="34290"/>
                 </a:tc>
               </a:tr>
-              <a:tr h="370840">
-                <a:tc>
-                  <a:txBody>
-                    <a:bodyPr/>
-                    <a:lstStyle/>
-                    <a:p>
-                      <a:r>
-                        <a:rPr lang="en-US" b="1" dirty="0" smtClean="0"/>
-                        <a:t>Column</a:t>
-                      </a:r>
-                      <a:endParaRPr lang="en-US" b="1" dirty="0"/>
-                    </a:p>
-                  </a:txBody>
-                  <a:tcPr/>
-                </a:tc>
-                <a:tc>
-                  <a:txBody>
-                    <a:bodyPr/>
-                    <a:lstStyle/>
-                    <a:p>
-                      <a:r>
-                        <a:rPr lang="en-US" b="1" dirty="0" smtClean="0"/>
-                        <a:t>Description</a:t>
-                      </a:r>
-                      <a:endParaRPr lang="en-US" b="1" dirty="0"/>
-                    </a:p>
-                  </a:txBody>
-                  <a:tcPr/>
+              <a:tr h="278130">
+                <a:tc>
+                  <a:txBody>
+                    <a:bodyPr/>
+                    <a:lstStyle/>
+                    <a:p>
+                      <a:r>
+                        <a:rPr lang="en-US" sz="1400" dirty="0" smtClean="0"/>
+                        <a:t>MD5</a:t>
+                      </a:r>
+                      <a:endParaRPr lang="en-US" sz="1400" dirty="0"/>
+                    </a:p>
+                  </a:txBody>
+                  <a:tcPr marL="68580" marR="68580" marT="34290" marB="34290"/>
+                </a:tc>
+                <a:tc>
+                  <a:txBody>
+                    <a:bodyPr/>
+                    <a:lstStyle/>
+                    <a:p>
+                      <a:r>
+                        <a:rPr lang="en-US" sz="1400" dirty="0" smtClean="0"/>
+                        <a:t>128 bits</a:t>
+                      </a:r>
+                      <a:endParaRPr lang="en-US" sz="1400" dirty="0"/>
+                    </a:p>
+                  </a:txBody>
+                  <a:tcPr marL="68580" marR="68580" marT="34290" marB="34290"/>
+                </a:tc>
+                <a:tc>
+                  <a:txBody>
+                    <a:bodyPr/>
+                    <a:lstStyle/>
+                    <a:p>
+                      <a:r>
+                        <a:rPr lang="en-US" sz="1400" dirty="0" smtClean="0"/>
+                        <a:t>Fast</a:t>
+                      </a:r>
+                      <a:endParaRPr lang="en-US" sz="1400" dirty="0"/>
+                    </a:p>
+                  </a:txBody>
+                  <a:tcPr marL="68580" marR="68580" marT="34290" marB="34290"/>
+                </a:tc>
+                <a:tc>
+                  <a:txBody>
+                    <a:bodyPr/>
+                    <a:lstStyle/>
+                    <a:p>
+                      <a:r>
+                        <a:rPr lang="en-US" sz="1400" dirty="0" smtClean="0"/>
+                        <a:t>Low</a:t>
+                      </a:r>
+                      <a:endParaRPr lang="en-US" sz="1400" dirty="0"/>
+                    </a:p>
+                  </a:txBody>
+                  <a:tcPr marL="68580" marR="68580" marT="34290" marB="34290"/>
+                </a:tc>
+                <a:tc>
+                  <a:txBody>
+                    <a:bodyPr/>
+                    <a:lstStyle/>
+                    <a:p>
+                      <a:r>
+                        <a:rPr lang="en-US" sz="1400" dirty="0" smtClean="0"/>
+                        <a:t>Not recommended,</a:t>
+                      </a:r>
+                      <a:r>
+                        <a:rPr lang="en-US" sz="1400" baseline="0" dirty="0" smtClean="0"/>
+                        <a:t> very weak</a:t>
+                      </a:r>
+                      <a:endParaRPr lang="en-US" sz="1400" dirty="0"/>
+                    </a:p>
+                  </a:txBody>
+                  <a:tcPr marL="68580" marR="68580" marT="34290" marB="34290"/>
                 </a:tc>
               </a:tr>
-              <a:tr h="370840">
-                <a:tc>
-                  <a:txBody>
-                    <a:bodyPr/>
-                    <a:lstStyle/>
-                    <a:p>
-                      <a:r>
-                        <a:rPr lang="en-US" dirty="0" smtClean="0"/>
-                        <a:t>LoginProvider</a:t>
-                      </a:r>
-                      <a:endParaRPr lang="en-US" dirty="0"/>
-                    </a:p>
-                  </a:txBody>
-                  <a:tcPr/>
-                </a:tc>
-                <a:tc>
-                  <a:txBody>
-                    <a:bodyPr/>
-                    <a:lstStyle/>
-                    <a:p>
-                      <a:r>
-                        <a:rPr lang="en-US" dirty="0" smtClean="0"/>
-                        <a:t>The Login Provider</a:t>
-                      </a:r>
-                      <a:br>
-                        <a:rPr lang="en-US" dirty="0" smtClean="0"/>
-                      </a:br>
-                      <a:r>
-                        <a:rPr lang="en-US" dirty="0" smtClean="0"/>
-                        <a:t>(ex.</a:t>
-                      </a:r>
-                      <a:r>
-                        <a:rPr lang="en-US" baseline="0" dirty="0" smtClean="0"/>
-                        <a:t> Google, Facebook</a:t>
-                      </a:r>
-                      <a:r>
-                        <a:rPr lang="en-US" dirty="0" smtClean="0"/>
-                        <a:t>)</a:t>
-                      </a:r>
-                      <a:endParaRPr lang="en-US" dirty="0"/>
-                    </a:p>
-                  </a:txBody>
-                  <a:tcPr/>
+              <a:tr h="278130">
+                <a:tc>
+                  <a:txBody>
+                    <a:bodyPr/>
+                    <a:lstStyle/>
+                    <a:p>
+                      <a:r>
+                        <a:rPr lang="en-US" sz="1400" dirty="0" smtClean="0"/>
+                        <a:t>SHA-1</a:t>
+                      </a:r>
+                      <a:endParaRPr lang="en-US" sz="1400" dirty="0"/>
+                    </a:p>
+                  </a:txBody>
+                  <a:tcPr marL="68580" marR="68580" marT="34290" marB="34290"/>
+                </a:tc>
+                <a:tc>
+                  <a:txBody>
+                    <a:bodyPr/>
+                    <a:lstStyle/>
+                    <a:p>
+                      <a:r>
+                        <a:rPr lang="en-US" sz="1400" dirty="0" smtClean="0"/>
+                        <a:t>160 bits</a:t>
+                      </a:r>
+                      <a:endParaRPr lang="en-US" sz="1400" dirty="0"/>
+                    </a:p>
+                  </a:txBody>
+                  <a:tcPr marL="68580" marR="68580" marT="34290" marB="34290"/>
+                </a:tc>
+                <a:tc>
+                  <a:txBody>
+                    <a:bodyPr/>
+                    <a:lstStyle/>
+                    <a:p>
+                      <a:r>
+                        <a:rPr lang="en-US" sz="1400" dirty="0" smtClean="0"/>
+                        <a:t>Fast</a:t>
+                      </a:r>
+                      <a:endParaRPr lang="en-US" sz="1400" dirty="0"/>
+                    </a:p>
+                  </a:txBody>
+                  <a:tcPr marL="68580" marR="68580" marT="34290" marB="34290"/>
+                </a:tc>
+                <a:tc>
+                  <a:txBody>
+                    <a:bodyPr/>
+                    <a:lstStyle/>
+                    <a:p>
+                      <a:r>
+                        <a:rPr lang="en-US" sz="1400" dirty="0" smtClean="0"/>
+                        <a:t>Low</a:t>
+                      </a:r>
+                      <a:endParaRPr lang="en-US" sz="1400" dirty="0"/>
+                    </a:p>
+                  </a:txBody>
+                  <a:tcPr marL="68580" marR="68580" marT="34290" marB="34290"/>
+                </a:tc>
+                <a:tc>
+                  <a:txBody>
+                    <a:bodyPr/>
+                    <a:lstStyle/>
+                    <a:p>
+                      <a:r>
+                        <a:rPr lang="en-US" sz="1400" dirty="0" smtClean="0"/>
+                        <a:t>Mathematical weakness exists</a:t>
+                      </a:r>
+                      <a:endParaRPr lang="en-US" sz="1400" dirty="0"/>
+                    </a:p>
+                  </a:txBody>
+                  <a:tcPr marL="68580" marR="68580" marT="34290" marB="34290"/>
                 </a:tc>
               </a:tr>
-              <a:tr h="370840">
-                <a:tc>
-                  <a:txBody>
-                    <a:bodyPr/>
-                    <a:lstStyle/>
-                    <a:p>
-                      <a:r>
-                        <a:rPr lang="en-US" dirty="0" smtClean="0"/>
-                        <a:t>ProviderKey</a:t>
-                      </a:r>
-                      <a:endParaRPr lang="en-US" dirty="0"/>
-                    </a:p>
-                  </a:txBody>
-                  <a:tcPr/>
-                </a:tc>
-                <a:tc>
-                  <a:txBody>
-                    <a:bodyPr/>
-                    <a:lstStyle/>
-                    <a:p>
-                      <a:r>
-                        <a:rPr lang="en-US" dirty="0" smtClean="0"/>
-                        <a:t>Provider</a:t>
-                      </a:r>
-                      <a:r>
-                        <a:rPr lang="en-US" baseline="0" dirty="0" smtClean="0"/>
-                        <a:t> specific ID for the user</a:t>
-                      </a:r>
-                      <a:endParaRPr lang="en-US" dirty="0"/>
-                    </a:p>
-                  </a:txBody>
-                  <a:tcPr/>
+              <a:tr h="685800">
+                <a:tc>
+                  <a:txBody>
+                    <a:bodyPr/>
+                    <a:lstStyle/>
+                    <a:p>
+                      <a:r>
+                        <a:rPr lang="en-US" sz="1400" dirty="0" smtClean="0"/>
+                        <a:t>SHA-2</a:t>
+                      </a:r>
+                      <a:endParaRPr lang="en-US" sz="1400" dirty="0"/>
+                    </a:p>
+                  </a:txBody>
+                  <a:tcPr marL="68580" marR="68580" marT="34290" marB="34290"/>
+                </a:tc>
+                <a:tc>
+                  <a:txBody>
+                    <a:bodyPr/>
+                    <a:lstStyle/>
+                    <a:p>
+                      <a:r>
+                        <a:rPr lang="en-US" sz="1400" dirty="0" smtClean="0"/>
+                        <a:t>224,256,384</a:t>
+                      </a:r>
+                      <a:r>
+                        <a:rPr lang="en-US" sz="1400" baseline="0" dirty="0" smtClean="0"/>
+                        <a:t> or 512 bits</a:t>
+                      </a:r>
+                      <a:endParaRPr lang="en-US" sz="1400" dirty="0"/>
+                    </a:p>
+                  </a:txBody>
+                  <a:tcPr marL="68580" marR="68580" marT="34290" marB="34290"/>
+                </a:tc>
+                <a:tc>
+                  <a:txBody>
+                    <a:bodyPr/>
+                    <a:lstStyle/>
+                    <a:p>
+                      <a:r>
+                        <a:rPr lang="en-US" sz="1400" dirty="0" smtClean="0"/>
+                        <a:t>Fast</a:t>
+                      </a:r>
+                      <a:endParaRPr lang="en-US" sz="1400" dirty="0"/>
+                    </a:p>
+                  </a:txBody>
+                  <a:tcPr marL="68580" marR="68580" marT="34290" marB="34290"/>
+                </a:tc>
+                <a:tc>
+                  <a:txBody>
+                    <a:bodyPr/>
+                    <a:lstStyle/>
+                    <a:p>
+                      <a:r>
+                        <a:rPr lang="en-US" sz="1400" dirty="0" smtClean="0"/>
+                        <a:t>Low</a:t>
+                      </a:r>
+                      <a:endParaRPr lang="en-US" sz="1400" dirty="0"/>
+                    </a:p>
+                  </a:txBody>
+                  <a:tcPr marL="68580" marR="68580" marT="34290" marB="34290"/>
+                </a:tc>
+                <a:tc>
+                  <a:txBody>
+                    <a:bodyPr/>
+                    <a:lstStyle/>
+                    <a:p>
+                      <a:r>
+                        <a:rPr lang="en-US" sz="1400" baseline="0" dirty="0" smtClean="0"/>
+                        <a:t>Not cracked yet.</a:t>
+                      </a:r>
+                      <a:endParaRPr lang="en-US" sz="1400" dirty="0"/>
+                    </a:p>
+                  </a:txBody>
+                  <a:tcPr marL="68580" marR="68580" marT="34290" marB="34290"/>
                 </a:tc>
               </a:tr>
-              <a:tr h="370840">
-                <a:tc>
-                  <a:txBody>
-                    <a:bodyPr/>
-                    <a:lstStyle/>
-                    <a:p>
-                      <a:r>
-                        <a:rPr lang="en-US" dirty="0" smtClean="0"/>
-                        <a:t>UserId</a:t>
-                      </a:r>
-                      <a:endParaRPr lang="en-US" dirty="0"/>
-                    </a:p>
-                  </a:txBody>
-                  <a:tcPr/>
-                </a:tc>
-                <a:tc>
-                  <a:txBody>
-                    <a:bodyPr/>
-                    <a:lstStyle/>
-                    <a:p>
-                      <a:r>
-                        <a:rPr lang="en-US" dirty="0" smtClean="0"/>
-                        <a:t>The</a:t>
-                      </a:r>
-                      <a:r>
-                        <a:rPr lang="en-US" baseline="0" dirty="0" smtClean="0"/>
-                        <a:t> Users ID</a:t>
-                      </a:r>
-                      <a:endParaRPr lang="en-US" dirty="0"/>
-                    </a:p>
-                  </a:txBody>
-                  <a:tcPr/>
+              <a:tr h="278130">
+                <a:tc>
+                  <a:txBody>
+                    <a:bodyPr/>
+                    <a:lstStyle/>
+                    <a:p>
+                      <a:r>
+                        <a:rPr lang="en-US" sz="1400" dirty="0" err="1" smtClean="0"/>
+                        <a:t>Bcrypt</a:t>
+                      </a:r>
+                      <a:endParaRPr lang="en-US" sz="1400" dirty="0"/>
+                    </a:p>
+                  </a:txBody>
+                  <a:tcPr marL="68580" marR="68580" marT="34290" marB="34290"/>
+                </a:tc>
+                <a:tc>
+                  <a:txBody>
+                    <a:bodyPr/>
+                    <a:lstStyle/>
+                    <a:p>
+                      <a:r>
+                        <a:rPr lang="en-US" sz="1400" dirty="0" smtClean="0"/>
+                        <a:t>448 bits</a:t>
+                      </a:r>
+                      <a:endParaRPr lang="en-US" sz="1400" dirty="0"/>
+                    </a:p>
+                  </a:txBody>
+                  <a:tcPr marL="68580" marR="68580" marT="34290" marB="34290"/>
+                </a:tc>
+                <a:tc>
+                  <a:txBody>
+                    <a:bodyPr/>
+                    <a:lstStyle/>
+                    <a:p>
+                      <a:r>
+                        <a:rPr lang="en-US" sz="1400" dirty="0" smtClean="0"/>
+                        <a:t>Slow</a:t>
+                      </a:r>
+                      <a:endParaRPr lang="en-US" sz="1400" dirty="0"/>
+                    </a:p>
+                  </a:txBody>
+                  <a:tcPr marL="68580" marR="68580" marT="34290" marB="34290"/>
+                </a:tc>
+                <a:tc>
+                  <a:txBody>
+                    <a:bodyPr/>
+                    <a:lstStyle/>
+                    <a:p>
+                      <a:r>
+                        <a:rPr lang="en-US" sz="1400" dirty="0" smtClean="0"/>
+                        <a:t>Low</a:t>
+                      </a:r>
+                      <a:endParaRPr lang="en-US" sz="1400" dirty="0"/>
+                    </a:p>
+                  </a:txBody>
+                  <a:tcPr marL="68580" marR="68580" marT="34290" marB="34290"/>
+                </a:tc>
+                <a:tc>
+                  <a:txBody>
+                    <a:bodyPr/>
+                    <a:lstStyle/>
+                    <a:p>
+                      <a:endParaRPr lang="en-US" sz="1400" dirty="0"/>
+                    </a:p>
+                  </a:txBody>
+                  <a:tcPr marL="68580" marR="68580" marT="34290" marB="34290"/>
+                </a:tc>
+              </a:tr>
+              <a:tr h="278130">
+                <a:tc>
+                  <a:txBody>
+                    <a:bodyPr/>
+                    <a:lstStyle/>
+                    <a:p>
+                      <a:r>
+                        <a:rPr lang="en-US" sz="1400" dirty="0" smtClean="0"/>
+                        <a:t>PBKDF2 </a:t>
+                      </a:r>
+                      <a:endParaRPr lang="en-US" sz="1400" dirty="0"/>
+                    </a:p>
+                  </a:txBody>
+                  <a:tcPr marL="68580" marR="68580" marT="34290" marB="34290"/>
+                </a:tc>
+                <a:tc>
+                  <a:txBody>
+                    <a:bodyPr/>
+                    <a:lstStyle/>
+                    <a:p>
+                      <a:r>
+                        <a:rPr lang="en-US" sz="1400" dirty="0" smtClean="0"/>
+                        <a:t>Custom</a:t>
+                      </a:r>
+                      <a:endParaRPr lang="en-US" sz="1400" dirty="0"/>
+                    </a:p>
+                  </a:txBody>
+                  <a:tcPr marL="68580" marR="68580" marT="34290" marB="34290"/>
+                </a:tc>
+                <a:tc>
+                  <a:txBody>
+                    <a:bodyPr/>
+                    <a:lstStyle/>
+                    <a:p>
+                      <a:r>
+                        <a:rPr lang="en-US" sz="1400" dirty="0" smtClean="0"/>
+                        <a:t>Slow</a:t>
+                      </a:r>
+                      <a:endParaRPr lang="en-US" sz="1400" dirty="0"/>
+                    </a:p>
+                  </a:txBody>
+                  <a:tcPr marL="68580" marR="68580" marT="34290" marB="34290"/>
+                </a:tc>
+                <a:tc>
+                  <a:txBody>
+                    <a:bodyPr/>
+                    <a:lstStyle/>
+                    <a:p>
+                      <a:r>
+                        <a:rPr lang="en-US" sz="1400" dirty="0" smtClean="0"/>
+                        <a:t>Low</a:t>
+                      </a:r>
+                      <a:endParaRPr lang="en-US" sz="1400" dirty="0"/>
+                    </a:p>
+                  </a:txBody>
+                  <a:tcPr marL="68580" marR="68580" marT="34290" marB="34290"/>
+                </a:tc>
+                <a:tc>
+                  <a:txBody>
+                    <a:bodyPr/>
+                    <a:lstStyle/>
+                    <a:p>
+                      <a:endParaRPr lang="en-US" sz="1400" dirty="0"/>
+                    </a:p>
+                  </a:txBody>
+                  <a:tcPr marL="68580" marR="68580" marT="34290" marB="34290"/>
+                </a:tc>
+              </a:tr>
+              <a:tr h="480060">
+                <a:tc>
+                  <a:txBody>
+                    <a:bodyPr/>
+                    <a:lstStyle/>
+                    <a:p>
+                      <a:r>
+                        <a:rPr lang="en-US" sz="1400" dirty="0" err="1" smtClean="0"/>
+                        <a:t>Scrypt</a:t>
+                      </a:r>
+                      <a:endParaRPr lang="en-US" sz="1400" dirty="0"/>
+                    </a:p>
+                  </a:txBody>
+                  <a:tcPr marL="68580" marR="68580" marT="34290" marB="34290"/>
+                </a:tc>
+                <a:tc>
+                  <a:txBody>
+                    <a:bodyPr/>
+                    <a:lstStyle/>
+                    <a:p>
+                      <a:r>
+                        <a:rPr lang="en-US" sz="1400" dirty="0" smtClean="0"/>
+                        <a:t>Custom</a:t>
+                      </a:r>
+                      <a:endParaRPr lang="en-US" sz="1400" dirty="0"/>
+                    </a:p>
+                  </a:txBody>
+                  <a:tcPr marL="68580" marR="68580" marT="34290" marB="34290"/>
+                </a:tc>
+                <a:tc>
+                  <a:txBody>
+                    <a:bodyPr/>
+                    <a:lstStyle/>
+                    <a:p>
+                      <a:r>
+                        <a:rPr lang="en-US" sz="1400" dirty="0" smtClean="0"/>
+                        <a:t>Slow</a:t>
+                      </a:r>
+                      <a:endParaRPr lang="en-US" sz="1400" dirty="0"/>
+                    </a:p>
+                  </a:txBody>
+                  <a:tcPr marL="68580" marR="68580" marT="34290" marB="34290"/>
+                </a:tc>
+                <a:tc>
+                  <a:txBody>
+                    <a:bodyPr/>
+                    <a:lstStyle/>
+                    <a:p>
+                      <a:r>
+                        <a:rPr lang="en-US" sz="1400" dirty="0" smtClean="0"/>
+                        <a:t>High</a:t>
+                      </a:r>
+                      <a:endParaRPr lang="en-US" sz="1400" dirty="0"/>
+                    </a:p>
+                  </a:txBody>
+                  <a:tcPr marL="68580" marR="68580" marT="34290" marB="34290"/>
+                </a:tc>
+                <a:tc>
+                  <a:txBody>
+                    <a:bodyPr/>
+                    <a:lstStyle/>
+                    <a:p>
+                      <a:r>
+                        <a:rPr lang="en-US" sz="1400" dirty="0" smtClean="0"/>
+                        <a:t>Can</a:t>
+                      </a:r>
+                      <a:r>
+                        <a:rPr lang="en-US" sz="1400" baseline="0" dirty="0" smtClean="0"/>
+                        <a:t> be made to consume lots of memory</a:t>
+                      </a:r>
+                      <a:endParaRPr lang="en-US" sz="1400" dirty="0"/>
+                    </a:p>
+                  </a:txBody>
+                  <a:tcPr marL="68580" marR="68580" marT="34290" marB="34290"/>
                 </a:tc>
               </a:tr>
             </a:tbl>
           </a:graphicData>
         </a:graphic>
       </p:graphicFrame>
-      <p:sp>
-        <p:nvSpPr>
-          <p:cNvPr id="6" name="textruta 5"/>
-          <p:cNvSpPr txBox="1"/>
-          <p:nvPr/>
-        </p:nvSpPr>
-        <p:spPr>
-          <a:xfrm>
-            <a:off x="6012160" y="1988840"/>
-            <a:ext cx="2448272" cy="923330"/>
-          </a:xfrm>
-          <a:prstGeom prst="rect">
-            <a:avLst/>
-          </a:prstGeom>
-          <a:noFill/>
-        </p:spPr>
-        <p:txBody>
-          <a:bodyPr wrap="square" rtlCol="0">
-            <a:spAutoFit/>
-          </a:bodyPr>
-          <a:lstStyle/>
-          <a:p>
-            <a:pPr marL="285750" indent="-285750">
-              <a:buFont typeface="Arial" panose="020B0604020202020204" pitchFamily="34" charset="0"/>
-              <a:buChar char="•"/>
-            </a:pPr>
-            <a:r>
-              <a:rPr lang="en-US" dirty="0" smtClean="0"/>
-              <a:t>Table used to store </a:t>
-            </a:r>
-            <a:r>
-              <a:rPr lang="en-US" dirty="0" smtClean="0"/>
-              <a:t>users using external logins</a:t>
-            </a:r>
-            <a:endParaRPr lang="en-US" dirty="0" smtClean="0"/>
-          </a:p>
-        </p:txBody>
-      </p:sp>
     </p:spTree>
     <p:extLst>
       <p:ext uri="{BB962C8B-B14F-4D97-AF65-F5344CB8AC3E}">
-        <p14:creationId xmlns:p14="http://schemas.microsoft.com/office/powerpoint/2010/main" val="3596939256"/>
+        <p14:creationId xmlns:p14="http://schemas.microsoft.com/office/powerpoint/2010/main" val="2432138324"/>
       </p:ext>
     </p:extLst>
   </p:cSld>
@@ -6596,14 +7848,14 @@
             <p:ph idx="1"/>
             <p:extLst>
               <p:ext uri="{D42A27DB-BD31-4B8C-83A1-F6EECF244321}">
-                <p14:modId xmlns:p14="http://schemas.microsoft.com/office/powerpoint/2010/main" val="2057406839"/>
+                <p14:modId xmlns:p14="http://schemas.microsoft.com/office/powerpoint/2010/main" val="3831816072"/>
               </p:ext>
             </p:extLst>
           </p:nvPr>
         </p:nvGraphicFramePr>
         <p:xfrm>
-          <a:off x="457200" y="1600200"/>
-          <a:ext cx="5338936" cy="2372360"/>
+          <a:off x="395536" y="980728"/>
+          <a:ext cx="5266928" cy="2088232"/>
         </p:xfrm>
         <a:graphic>
           <a:graphicData uri="http://schemas.openxmlformats.org/drawingml/2006/table">
@@ -6612,10 +7864,10 @@
                 <a:tableStyleId>{5C22544A-7EE6-4342-B048-85BDC9FD1C3A}</a:tableStyleId>
               </a:tblPr>
               <a:tblGrid>
-                <a:gridCol w="2352396"/>
-                <a:gridCol w="2986540"/>
+                <a:gridCol w="2674640"/>
+                <a:gridCol w="2592288"/>
               </a:tblGrid>
-              <a:tr h="370840">
+              <a:tr h="663550">
                 <a:tc gridSpan="2">
                   <a:txBody>
                     <a:bodyPr/>
@@ -6624,7 +7876,7 @@
                       <a:pPr algn="ctr"/>
                       <a:r>
                         <a:rPr lang="en-US" sz="2800" dirty="0" smtClean="0"/>
-                        <a:t>AspNetUserClaims</a:t>
+                        <a:t>AspNetRoles</a:t>
                       </a:r>
                       <a:endParaRPr lang="en-US" sz="2800" dirty="0"/>
                     </a:p>
@@ -6642,7 +7894,7 @@
                   <a:tcPr/>
                 </a:tc>
               </a:tr>
-              <a:tr h="370840">
+              <a:tr h="474894">
                 <a:tc>
                   <a:txBody>
                     <a:bodyPr/>
@@ -6672,7 +7924,7 @@
                   <a:tcPr/>
                 </a:tc>
               </a:tr>
-              <a:tr h="370840">
+              <a:tr h="474894">
                 <a:tc>
                   <a:txBody>
                     <a:bodyPr/>
@@ -6694,101 +7946,41 @@
                     <a:p>
                       <a:r>
                         <a:rPr lang="en-US" dirty="0" smtClean="0"/>
-                        <a:t>A</a:t>
+                        <a:t>A generated GUID value</a:t>
+                      </a:r>
+                      <a:endParaRPr lang="en-US" dirty="0"/>
+                    </a:p>
+                  </a:txBody>
+                  <a:tcPr/>
+                </a:tc>
+              </a:tr>
+              <a:tr h="474894">
+                <a:tc>
+                  <a:txBody>
+                    <a:bodyPr/>
+                    <a:lstStyle/>
+                    <a:p>
+                      <a:r>
+                        <a:rPr lang="en-US" dirty="0" smtClean="0"/>
+                        <a:t>Name</a:t>
+                      </a:r>
+                      <a:endParaRPr lang="en-US" dirty="0"/>
+                    </a:p>
+                  </a:txBody>
+                  <a:tcPr/>
+                </a:tc>
+                <a:tc>
+                  <a:txBody>
+                    <a:bodyPr/>
+                    <a:lstStyle/>
+                    <a:p>
+                      <a:r>
+                        <a:rPr lang="en-US" dirty="0" smtClean="0"/>
+                        <a:t>The name of the</a:t>
                       </a:r>
                       <a:r>
                         <a:rPr lang="en-US" baseline="0" dirty="0" smtClean="0"/>
-                        <a:t>n auto incrementing ID</a:t>
-                      </a:r>
-                      <a:endParaRPr lang="en-US" dirty="0"/>
-                    </a:p>
-                  </a:txBody>
-                  <a:tcPr/>
-                </a:tc>
-              </a:tr>
-              <a:tr h="370840">
-                <a:tc>
-                  <a:txBody>
-                    <a:bodyPr/>
-                    <a:lstStyle/>
-                    <a:p>
-                      <a:r>
-                        <a:rPr lang="en-US" dirty="0" smtClean="0"/>
-                        <a:t>UserId</a:t>
-                      </a:r>
-                      <a:endParaRPr lang="en-US" dirty="0"/>
-                    </a:p>
-                  </a:txBody>
-                  <a:tcPr/>
-                </a:tc>
-                <a:tc>
-                  <a:txBody>
-                    <a:bodyPr/>
-                    <a:lstStyle/>
-                    <a:p>
-                      <a:r>
-                        <a:rPr lang="en-US" dirty="0" smtClean="0"/>
-                        <a:t>The users ID</a:t>
-                      </a:r>
-                      <a:endParaRPr lang="en-US" dirty="0"/>
-                    </a:p>
-                  </a:txBody>
-                  <a:tcPr/>
-                </a:tc>
-              </a:tr>
-              <a:tr h="370840">
-                <a:tc>
-                  <a:txBody>
-                    <a:bodyPr/>
-                    <a:lstStyle/>
-                    <a:p>
-                      <a:r>
-                        <a:rPr lang="en-US" dirty="0" smtClean="0"/>
-                        <a:t>ClaimType</a:t>
-                      </a:r>
-                      <a:endParaRPr lang="en-US" dirty="0"/>
-                    </a:p>
-                  </a:txBody>
-                  <a:tcPr/>
-                </a:tc>
-                <a:tc>
-                  <a:txBody>
-                    <a:bodyPr/>
-                    <a:lstStyle/>
-                    <a:p>
-                      <a:r>
-                        <a:rPr lang="en-US" dirty="0" smtClean="0"/>
-                        <a:t>The type of the claim</a:t>
-                      </a:r>
-                      <a:endParaRPr lang="en-US" dirty="0"/>
-                    </a:p>
-                  </a:txBody>
-                  <a:tcPr/>
-                </a:tc>
-              </a:tr>
-              <a:tr h="370840">
-                <a:tc>
-                  <a:txBody>
-                    <a:bodyPr/>
-                    <a:lstStyle/>
-                    <a:p>
-                      <a:r>
-                        <a:rPr lang="en-US" dirty="0" smtClean="0"/>
-                        <a:t>ClaimValue</a:t>
-                      </a:r>
-                      <a:endParaRPr lang="en-US" dirty="0"/>
-                    </a:p>
-                  </a:txBody>
-                  <a:tcPr/>
-                </a:tc>
-                <a:tc>
-                  <a:txBody>
-                    <a:bodyPr/>
-                    <a:lstStyle/>
-                    <a:p>
-                      <a:r>
-                        <a:rPr lang="en-US" dirty="0" smtClean="0"/>
-                        <a:t>The value of the claim</a:t>
+                        <a:t> role</a:t>
                       </a:r>
                       <a:endParaRPr lang="en-US" dirty="0"/>
                     </a:p>
@@ -6800,16 +7992,169 @@
           </a:graphicData>
         </a:graphic>
       </p:graphicFrame>
-      <p:sp>
-        <p:nvSpPr>
-          <p:cNvPr id="5" name="textruta 4"/>
+      <p:graphicFrame>
+        <p:nvGraphicFramePr>
+          <p:cNvPr id="6" name="Platshållare för innehåll 3"/>
+          <p:cNvGraphicFramePr>
+            <a:graphicFrameLocks/>
+          </p:cNvGraphicFramePr>
+          <p:nvPr>
+            <p:extLst>
+              <p:ext uri="{D42A27DB-BD31-4B8C-83A1-F6EECF244321}">
+                <p14:modId xmlns:p14="http://schemas.microsoft.com/office/powerpoint/2010/main" val="3214134684"/>
+              </p:ext>
+            </p:extLst>
+          </p:nvPr>
+        </p:nvGraphicFramePr>
+        <p:xfrm>
+          <a:off x="395536" y="3501008"/>
+          <a:ext cx="5266928" cy="2088232"/>
+        </p:xfrm>
+        <a:graphic>
+          <a:graphicData uri="http://schemas.openxmlformats.org/drawingml/2006/table">
+            <a:tbl>
+              <a:tblPr firstRow="1" bandRow="1">
+                <a:tableStyleId>{5C22544A-7EE6-4342-B048-85BDC9FD1C3A}</a:tableStyleId>
+              </a:tblPr>
+              <a:tblGrid>
+                <a:gridCol w="2674640"/>
+                <a:gridCol w="2592288"/>
+              </a:tblGrid>
+              <a:tr h="663550">
+                <a:tc gridSpan="2">
+                  <a:txBody>
+                    <a:bodyPr/>
+                    <a:lstStyle/>
+                    <a:p>
+                      <a:pPr algn="ctr"/>
+                      <a:r>
+                        <a:rPr lang="en-US" sz="2800" dirty="0" smtClean="0"/>
+                        <a:t>AspNetUserRoles</a:t>
+                      </a:r>
+                      <a:endParaRPr lang="en-US" sz="2800" dirty="0"/>
+                    </a:p>
+                  </a:txBody>
+                  <a:tcPr/>
+                </a:tc>
+                <a:tc hMerge="1">
+                  <a:txBody>
+                    <a:bodyPr/>
+                    <a:lstStyle/>
+                    <a:p>
+                      <a:endParaRPr lang="en-US" dirty="0"/>
+                    </a:p>
+                  </a:txBody>
+                  <a:tcPr/>
+                </a:tc>
+              </a:tr>
+              <a:tr h="474894">
+                <a:tc>
+                  <a:txBody>
+                    <a:bodyPr/>
+                    <a:lstStyle/>
+                    <a:p>
+                      <a:r>
+                        <a:rPr lang="en-US" b="1" dirty="0" smtClean="0"/>
+                        <a:t>Column</a:t>
+                      </a:r>
+                      <a:endParaRPr lang="en-US" b="1" dirty="0"/>
+                    </a:p>
+                  </a:txBody>
+                  <a:tcPr/>
+                </a:tc>
+                <a:tc>
+                  <a:txBody>
+                    <a:bodyPr/>
+                    <a:lstStyle/>
+                    <a:p>
+                      <a:r>
+                        <a:rPr lang="en-US" b="1" dirty="0" smtClean="0"/>
+                        <a:t>Description</a:t>
+                      </a:r>
+                      <a:endParaRPr lang="en-US" b="1" dirty="0"/>
+                    </a:p>
+                  </a:txBody>
+                  <a:tcPr/>
+                </a:tc>
+              </a:tr>
+              <a:tr h="474894">
+                <a:tc>
+                  <a:txBody>
+                    <a:bodyPr/>
+                    <a:lstStyle/>
+                    <a:p>
+                      <a:r>
+                        <a:rPr lang="en-US" dirty="0" smtClean="0"/>
+                        <a:t>UserId</a:t>
+                      </a:r>
+                      <a:endParaRPr lang="en-US" dirty="0"/>
+                    </a:p>
+                  </a:txBody>
+                  <a:tcPr/>
+                </a:tc>
+                <a:tc>
+                  <a:txBody>
+                    <a:bodyPr/>
+                    <a:lstStyle/>
+                    <a:p>
+                      <a:r>
+                        <a:rPr lang="en-US" dirty="0" smtClean="0"/>
+                        <a:t>The</a:t>
+                      </a:r>
+                      <a:r>
+                        <a:rPr lang="en-US" baseline="0" dirty="0" smtClean="0"/>
+                        <a:t> Users ID</a:t>
+                      </a:r>
+                      <a:endParaRPr lang="en-US" dirty="0"/>
+                    </a:p>
+                  </a:txBody>
+                  <a:tcPr/>
+                </a:tc>
+              </a:tr>
+              <a:tr h="474894">
+                <a:tc>
+                  <a:txBody>
+                    <a:bodyPr/>
+                    <a:lstStyle/>
+                    <a:p>
+                      <a:r>
+                        <a:rPr lang="en-US" dirty="0" smtClean="0"/>
+                        <a:t>RoleId</a:t>
+                      </a:r>
+                      <a:endParaRPr lang="en-US" dirty="0"/>
+                    </a:p>
+                  </a:txBody>
+                  <a:tcPr/>
+                </a:tc>
+                <a:tc>
+                  <a:txBody>
+                    <a:bodyPr/>
+                    <a:lstStyle/>
+                    <a:p>
+                      <a:r>
+                        <a:rPr lang="en-US" dirty="0" smtClean="0"/>
+                        <a:t>The Roles ID</a:t>
+                      </a:r>
+                      <a:endParaRPr lang="en-US" dirty="0"/>
+                    </a:p>
+                  </a:txBody>
+                  <a:tcPr/>
+                </a:tc>
+              </a:tr>
+            </a:tbl>
+          </a:graphicData>
+        </a:graphic>
+      </p:graphicFrame>
+      <p:sp>
+        <p:nvSpPr>
+          <p:cNvPr id="7" name="textruta 6"/>
           <p:cNvSpPr txBox="1"/>
           <p:nvPr/>
         </p:nvSpPr>
         <p:spPr>
           <a:xfrm>
-            <a:off x="6012160" y="1700808"/>
-            <a:ext cx="2952328" cy="646331"/>
+            <a:off x="5868144" y="1052736"/>
+            <a:ext cx="3168352" cy="2862322"/>
           </a:xfrm>
           <a:prstGeom prst="rect">
             <a:avLst/>
@@ -6822,28 +8167,45 @@
           </a:bodyPr>
           <a:lstStyle/>
           <a:p>
-            <a:pPr marL="285750" indent="-285750">
-              <a:buFont typeface="Arial" panose="020B0604020202020204" pitchFamily="34" charset="0"/>
-              <a:buChar char="•"/>
-            </a:pPr>
-            <a:r>
-              <a:rPr lang="en-US" dirty="0" smtClean="0"/>
-              <a:t>Table used to store claims</a:t>
-            </a:r>
-          </a:p>
-          <a:p>
-            <a:pPr marL="285750" indent="-285750">
-              <a:buFont typeface="Arial" panose="020B0604020202020204" pitchFamily="34" charset="0"/>
-              <a:buChar char="•"/>
-            </a:pPr>
-            <a:endParaRPr lang="en-US" dirty="0"/>
+            <a:r>
+              <a:rPr lang="en-US" sz="2000" dirty="0" smtClean="0"/>
+              <a:t>Table for storing roles</a:t>
+            </a:r>
+          </a:p>
+          <a:p>
+            <a:endParaRPr lang="en-US" sz="2000" dirty="0"/>
+          </a:p>
+          <a:p>
+            <a:endParaRPr lang="en-US" sz="2000" dirty="0" smtClean="0"/>
+          </a:p>
+          <a:p>
+            <a:endParaRPr lang="en-US" sz="2000" dirty="0"/>
+          </a:p>
+          <a:p>
+            <a:endParaRPr lang="en-US" sz="2000" dirty="0" smtClean="0"/>
+          </a:p>
+          <a:p>
+            <a:endParaRPr lang="en-US" sz="2000" dirty="0"/>
+          </a:p>
+          <a:p>
+            <a:endParaRPr lang="en-US" sz="2000" dirty="0" smtClean="0"/>
+          </a:p>
+          <a:p>
+            <a:endParaRPr lang="en-US" sz="2000" dirty="0" smtClean="0"/>
+          </a:p>
+          <a:p>
+            <a:r>
+              <a:rPr lang="en-US" sz="2000" dirty="0" smtClean="0"/>
+              <a:t>Connects users with roles</a:t>
+            </a:r>
+            <a:endParaRPr lang="en-US" sz="2000" dirty="0"/>
           </a:p>
         </p:txBody>
       </p:sp>
     </p:spTree>
     <p:extLst>
       <p:ext uri="{BB962C8B-B14F-4D97-AF65-F5344CB8AC3E}">
-        <p14:creationId xmlns:p14="http://schemas.microsoft.com/office/powerpoint/2010/main" val="898253676"/>
+        <p14:creationId xmlns:p14="http://schemas.microsoft.com/office/powerpoint/2010/main" val="3541063250"/>
       </p:ext>
     </p:extLst>
   </p:cSld>
@@ -6910,14 +8272,14 @@
             <p:ph idx="1"/>
             <p:extLst>
               <p:ext uri="{D42A27DB-BD31-4B8C-83A1-F6EECF244321}">
-                <p14:modId xmlns:p14="http://schemas.microsoft.com/office/powerpoint/2010/main" val="2898090215"/>
+                <p14:modId xmlns:p14="http://schemas.microsoft.com/office/powerpoint/2010/main" val="2707825142"/>
               </p:ext>
             </p:extLst>
           </p:nvPr>
         </p:nvGraphicFramePr>
         <p:xfrm>
-          <a:off x="457200" y="1600200"/>
-          <a:ext cx="4906888" cy="2372360"/>
+          <a:off x="467544" y="1988840"/>
+          <a:ext cx="5338936" cy="2270760"/>
         </p:xfrm>
         <a:graphic>
           <a:graphicData uri="http://schemas.openxmlformats.org/drawingml/2006/table">
@@ -6926,8 +8288,8 @@
                 <a:tableStyleId>{5C22544A-7EE6-4342-B048-85BDC9FD1C3A}</a:tableStyleId>
               </a:tblPr>
               <a:tblGrid>
-                <a:gridCol w="2242592"/>
-                <a:gridCol w="2664296"/>
+                <a:gridCol w="1872208"/>
+                <a:gridCol w="3466728"/>
               </a:tblGrid>
               <a:tr h="370840">
                 <a:tc gridSpan="2">
@@ -6937,10 +8299,10 @@
                     <a:p>
                       <a:pPr algn="ctr"/>
                       <a:r>
-                        <a:rPr lang="en-US" sz="2800" dirty="0" smtClean="0"/>
-                        <a:t>_MigrationHistory</a:t>
-                      </a:r>
-                      <a:endParaRPr lang="en-US" sz="2800" dirty="0"/>
+                        <a:rPr lang="en-US" sz="2800" b="1" dirty="0" smtClean="0"/>
+                        <a:t>AspNetUserLogins</a:t>
+                      </a:r>
+                      <a:endParaRPr lang="en-US" sz="2800" b="1" dirty="0"/>
                     </a:p>
                   </a:txBody>
                   <a:tcPr/>
@@ -6994,7 +8356,7 @@
                     <a:p>
                       <a:r>
                         <a:rPr lang="en-US" dirty="0" smtClean="0"/>
-                        <a:t>MigrationId</a:t>
+                        <a:t>LoginProvider</a:t>
                       </a:r>
                       <a:endParaRPr lang="en-US" dirty="0"/>
                     </a:p>
@@ -7008,7 +8370,22 @@
                     <a:p>
                       <a:r>
                         <a:rPr lang="en-US" dirty="0" smtClean="0"/>
-                        <a:t>ID for migration</a:t>
+                        <a:t>The Login Provider</a:t>
+                      </a:r>
+                      <a:br>
+                        <a:rPr lang="en-US" dirty="0" smtClean="0"/>
+                      </a:br>
+                      <a:r>
+                        <a:rPr lang="en-US" dirty="0" smtClean="0"/>
+                        <a:t>(ex.</a:t>
+                      </a:r>
+                      <a:r>
+                        <a:rPr lang="en-US" baseline="0" dirty="0" smtClean="0"/>
+                        <a:t> Google, Facebook</a:t>
+                      </a:r>
+                      <a:r>
+                        <a:rPr lang="en-US" dirty="0" smtClean="0"/>
+                        <a:t>)</a:t>
                       </a:r>
                       <a:endParaRPr lang="en-US" dirty="0"/>
                     </a:p>
@@ -7024,7 +8401,7 @@
                     <a:p>
                       <a:r>
                         <a:rPr lang="en-US" dirty="0" smtClean="0"/>
-                        <a:t>ContextKey</a:t>
+                        <a:t>ProviderKey</a:t>
                       </a:r>
                       <a:endParaRPr lang="en-US" dirty="0"/>
                     </a:p>
@@ -7038,7 +8415,11 @@
                     <a:p>
                       <a:r>
                         <a:rPr lang="en-US" dirty="0" smtClean="0"/>
-                        <a:t>Key for database context</a:t>
+                        <a:t>Provider</a:t>
+                      </a:r>
+                      <a:r>
+                        <a:rPr lang="en-US" baseline="0" dirty="0" smtClean="0"/>
+                        <a:t> specific ID for the user</a:t>
                       </a:r>
                       <a:endParaRPr lang="en-US" dirty="0"/>
                     </a:p>
@@ -7054,7 +8435,7 @@
                     <a:p>
                       <a:r>
                         <a:rPr lang="en-US" dirty="0" smtClean="0"/>
-                        <a:t>Model</a:t>
+                        <a:t>UserId</a:t>
                       </a:r>
                       <a:endParaRPr lang="en-US" dirty="0"/>
                     </a:p>
@@ -7066,35 +8447,13 @@
                     <a:bodyPr/>
                     <a:lstStyle/>
                     <a:p>
-                      <a:endParaRPr lang="en-US" dirty="0"/>
-                    </a:p>
-                  </a:txBody>
-                  <a:tcPr/>
-                </a:tc>
-              </a:tr>
-              <a:tr h="370840">
-                <a:tc>
-                  <a:txBody>
-                    <a:bodyPr/>
-                    <a:lstStyle/>
-                    <a:p>
                       <a:r>
                         <a:rPr lang="en-US" dirty="0" smtClean="0"/>
-                        <a:t>ProductVersion</a:t>
-                      </a:r>
-                      <a:endParaRPr lang="en-US" dirty="0"/>
-                    </a:p>
-                  </a:txBody>
-                  <a:tcPr/>
-                </a:tc>
-                <a:tc>
-                  <a:txBody>
-                    <a:bodyPr/>
-                    <a:lstStyle/>
-                    <a:p>
-                      <a:r>
-                        <a:rPr lang="en-US" dirty="0" smtClean="0"/>
-                        <a:t>Entity Framework version</a:t>
+                        <a:t>The</a:t>
+                      </a:r>
+                      <a:r>
+                        <a:rPr lang="en-US" baseline="0" dirty="0" smtClean="0"/>
+                        <a:t> users ID</a:t>
                       </a:r>
                       <a:endParaRPr lang="en-US" dirty="0"/>
                     </a:p>
@@ -7108,14 +8467,14 @@
       </p:graphicFrame>
       <p:sp>
         <p:nvSpPr>
-          <p:cNvPr id="5" name="textruta 4"/>
+          <p:cNvPr id="6" name="textruta 5"/>
           <p:cNvSpPr txBox="1"/>
           <p:nvPr/>
         </p:nvSpPr>
         <p:spPr>
           <a:xfrm>
-            <a:off x="5508104" y="1628800"/>
-            <a:ext cx="2592288" cy="646331"/>
+            <a:off x="6012160" y="1988840"/>
+            <a:ext cx="2448272" cy="1015663"/>
           </a:xfrm>
           <a:prstGeom prst="rect">
             <a:avLst/>
@@ -7128,22 +8487,17 @@
           </a:bodyPr>
           <a:lstStyle/>
           <a:p>
-            <a:pPr marL="285750" indent="-285750">
-              <a:buFont typeface="Arial" panose="020B0604020202020204" pitchFamily="34" charset="0"/>
-              <a:buChar char="•"/>
-            </a:pPr>
-            <a:r>
-              <a:rPr lang="en-US" dirty="0" smtClean="0"/>
-              <a:t>Table used to store migration history </a:t>
-            </a:r>
-            <a:endParaRPr lang="en-US" dirty="0"/>
+            <a:r>
+              <a:rPr lang="en-US" sz="2000" dirty="0" smtClean="0"/>
+              <a:t>Table used to store users using external logins</a:t>
+            </a:r>
           </a:p>
         </p:txBody>
       </p:sp>
     </p:spTree>
     <p:extLst>
       <p:ext uri="{BB962C8B-B14F-4D97-AF65-F5344CB8AC3E}">
-        <p14:creationId xmlns:p14="http://schemas.microsoft.com/office/powerpoint/2010/main" val="3301651287"/>
+        <p14:creationId xmlns:p14="http://schemas.microsoft.com/office/powerpoint/2010/main" val="3596939256"/>
       </p:ext>
     </p:extLst>
   </p:cSld>

--- a/Documents/Slides/Identity-Database.pptx
+++ b/Documents/Slides/Identity-Database.pptx
@@ -221,7 +221,7 @@
           <a:p>
             <a:fld id="{B5922E6D-3451-482A-A64F-C89F139BA51A}" type="datetimeFigureOut">
               <a:rPr lang="en-US" smtClean="0"/>
-              <a:t>11/26/2014</a:t>
+              <a:t>12/3/2014</a:t>
             </a:fld>
             <a:endParaRPr lang="en-US"/>
           </a:p>
@@ -386,7 +386,7 @@
           <a:p>
             <a:fld id="{05247E74-41DE-40FA-A7A7-A655366ADCFA}" type="datetimeFigureOut">
               <a:rPr lang="sv-SE" smtClean="0"/>
-              <a:t>2014-11-26</a:t>
+              <a:t>2014-12-03</a:t>
             </a:fld>
             <a:endParaRPr lang="sv-SE"/>
           </a:p>
@@ -850,7 +850,7 @@
           <a:p>
             <a:fld id="{DB41BBF1-8D56-4061-8DE2-461FDAC177EF}" type="datetimeFigureOut">
               <a:rPr lang="sv-SE" smtClean="0"/>
-              <a:t>2014-11-26</a:t>
+              <a:t>2014-12-03</a:t>
             </a:fld>
             <a:endParaRPr lang="sv-SE"/>
           </a:p>
@@ -1114,7 +1114,7 @@
           <a:p>
             <a:fld id="{DB41BBF1-8D56-4061-8DE2-461FDAC177EF}" type="datetimeFigureOut">
               <a:rPr lang="sv-SE" smtClean="0"/>
-              <a:t>2014-11-26</a:t>
+              <a:t>2014-12-03</a:t>
             </a:fld>
             <a:endParaRPr lang="sv-SE"/>
           </a:p>
@@ -1291,7 +1291,7 @@
           <a:p>
             <a:fld id="{DB41BBF1-8D56-4061-8DE2-461FDAC177EF}" type="datetimeFigureOut">
               <a:rPr lang="sv-SE" smtClean="0"/>
-              <a:t>2014-11-26</a:t>
+              <a:t>2014-12-03</a:t>
             </a:fld>
             <a:endParaRPr lang="sv-SE"/>
           </a:p>
@@ -1478,7 +1478,7 @@
           <a:p>
             <a:fld id="{DB41BBF1-8D56-4061-8DE2-461FDAC177EF}" type="datetimeFigureOut">
               <a:rPr lang="sv-SE" smtClean="0"/>
-              <a:t>2014-11-26</a:t>
+              <a:t>2014-12-03</a:t>
             </a:fld>
             <a:endParaRPr lang="sv-SE"/>
           </a:p>
@@ -1699,7 +1699,7 @@
           <a:p>
             <a:fld id="{8F4D68F5-60D1-40B7-A028-19C22E3ED852}" type="datetimeFigureOut">
               <a:rPr lang="sv-SE" smtClean="0"/>
-              <a:t>2014-11-26</a:t>
+              <a:t>2014-12-03</a:t>
             </a:fld>
             <a:endParaRPr lang="sv-SE"/>
           </a:p>
@@ -2000,7 +2000,7 @@
           <a:p>
             <a:fld id="{DB41BBF1-8D56-4061-8DE2-461FDAC177EF}" type="datetimeFigureOut">
               <a:rPr lang="sv-SE" smtClean="0"/>
-              <a:t>2014-11-26</a:t>
+              <a:t>2014-12-03</a:t>
             </a:fld>
             <a:endParaRPr lang="sv-SE"/>
           </a:p>
@@ -2177,7 +2177,7 @@
           <a:p>
             <a:fld id="{DB41BBF1-8D56-4061-8DE2-461FDAC177EF}" type="datetimeFigureOut">
               <a:rPr lang="sv-SE" smtClean="0"/>
-              <a:t>2014-11-26</a:t>
+              <a:t>2014-12-03</a:t>
             </a:fld>
             <a:endParaRPr lang="sv-SE"/>
           </a:p>
@@ -2430,7 +2430,7 @@
           <a:p>
             <a:fld id="{DB41BBF1-8D56-4061-8DE2-461FDAC177EF}" type="datetimeFigureOut">
               <a:rPr lang="sv-SE" smtClean="0"/>
-              <a:t>2014-11-26</a:t>
+              <a:t>2014-12-03</a:t>
             </a:fld>
             <a:endParaRPr lang="sv-SE"/>
           </a:p>
@@ -2725,7 +2725,7 @@
           <a:p>
             <a:fld id="{DB41BBF1-8D56-4061-8DE2-461FDAC177EF}" type="datetimeFigureOut">
               <a:rPr lang="sv-SE" smtClean="0"/>
-              <a:t>2014-11-26</a:t>
+              <a:t>2014-12-03</a:t>
             </a:fld>
             <a:endParaRPr lang="sv-SE"/>
           </a:p>
@@ -3154,7 +3154,7 @@
           <a:p>
             <a:fld id="{DB41BBF1-8D56-4061-8DE2-461FDAC177EF}" type="datetimeFigureOut">
               <a:rPr lang="sv-SE" smtClean="0"/>
-              <a:t>2014-11-26</a:t>
+              <a:t>2014-12-03</a:t>
             </a:fld>
             <a:endParaRPr lang="sv-SE"/>
           </a:p>
@@ -3279,7 +3279,7 @@
           <a:p>
             <a:fld id="{DB41BBF1-8D56-4061-8DE2-461FDAC177EF}" type="datetimeFigureOut">
               <a:rPr lang="sv-SE" smtClean="0"/>
-              <a:t>2014-11-26</a:t>
+              <a:t>2014-12-03</a:t>
             </a:fld>
             <a:endParaRPr lang="sv-SE"/>
           </a:p>
@@ -3381,7 +3381,7 @@
           <a:p>
             <a:fld id="{DB41BBF1-8D56-4061-8DE2-461FDAC177EF}" type="datetimeFigureOut">
               <a:rPr lang="sv-SE" smtClean="0"/>
-              <a:t>2014-11-26</a:t>
+              <a:t>2014-12-03</a:t>
             </a:fld>
             <a:endParaRPr lang="sv-SE"/>
           </a:p>
@@ -3665,7 +3665,7 @@
           <a:p>
             <a:fld id="{DB41BBF1-8D56-4061-8DE2-461FDAC177EF}" type="datetimeFigureOut">
               <a:rPr lang="sv-SE" smtClean="0"/>
-              <a:t>2014-11-26</a:t>
+              <a:t>2014-12-03</a:t>
             </a:fld>
             <a:endParaRPr lang="sv-SE"/>
           </a:p>
@@ -3893,7 +3893,7 @@
           <a:p>
             <a:fld id="{DB41BBF1-8D56-4061-8DE2-461FDAC177EF}" type="datetimeFigureOut">
               <a:rPr lang="sv-SE" smtClean="0"/>
-              <a:t>2014-11-26</a:t>
+              <a:t>2014-12-03</a:t>
             </a:fld>
             <a:endParaRPr lang="sv-SE"/>
           </a:p>
@@ -4487,13 +4487,13 @@
             <p:ph idx="1"/>
             <p:extLst>
               <p:ext uri="{D42A27DB-BD31-4B8C-83A1-F6EECF244321}">
-                <p14:modId xmlns:p14="http://schemas.microsoft.com/office/powerpoint/2010/main" val="2057406839"/>
+                <p14:modId xmlns:p14="http://schemas.microsoft.com/office/powerpoint/2010/main" val="989974610"/>
               </p:ext>
             </p:extLst>
           </p:nvPr>
         </p:nvGraphicFramePr>
         <p:xfrm>
-          <a:off x="457200" y="1600200"/>
+          <a:off x="1902532" y="1844824"/>
           <a:ext cx="5338936" cy="2372360"/>
         </p:xfrm>
         <a:graphic>
@@ -4699,8 +4699,8 @@
         </p:nvSpPr>
         <p:spPr>
           <a:xfrm>
-            <a:off x="6012160" y="1700808"/>
-            <a:ext cx="2952328" cy="677108"/>
+            <a:off x="179512" y="836712"/>
+            <a:ext cx="8784976" cy="1231106"/>
           </a:xfrm>
           <a:prstGeom prst="rect">
             <a:avLst/>
@@ -4713,9 +4713,18 @@
           </a:bodyPr>
           <a:lstStyle/>
           <a:p>
-            <a:r>
-              <a:rPr lang="en-US" sz="2000" dirty="0" smtClean="0"/>
-              <a:t>Table used to store claims</a:t>
+            <a:pPr algn="ctr"/>
+            <a:endParaRPr lang="en-US" sz="2800" dirty="0" smtClean="0"/>
+          </a:p>
+          <a:p>
+            <a:pPr algn="ctr"/>
+            <a:r>
+              <a:rPr lang="en-US" sz="2800" dirty="0" smtClean="0"/>
+              <a:t>Table </a:t>
+            </a:r>
+            <a:r>
+              <a:rPr lang="en-US" sz="2800" dirty="0" smtClean="0"/>
+              <a:t>used to store claims</a:t>
             </a:r>
           </a:p>
           <a:p>
@@ -4797,13 +4806,13 @@
             <p:ph idx="1"/>
             <p:extLst>
               <p:ext uri="{D42A27DB-BD31-4B8C-83A1-F6EECF244321}">
-                <p14:modId xmlns:p14="http://schemas.microsoft.com/office/powerpoint/2010/main" val="608012639"/>
+                <p14:modId xmlns:p14="http://schemas.microsoft.com/office/powerpoint/2010/main" val="2670476621"/>
               </p:ext>
             </p:extLst>
           </p:nvPr>
         </p:nvGraphicFramePr>
         <p:xfrm>
-          <a:off x="457200" y="2208768"/>
+          <a:off x="2118556" y="2924944"/>
           <a:ext cx="4906888" cy="2372360"/>
         </p:xfrm>
         <a:graphic>
@@ -5001,8 +5010,8 @@
         </p:nvSpPr>
         <p:spPr>
           <a:xfrm>
-            <a:off x="5508104" y="1628800"/>
-            <a:ext cx="2592288" cy="1200329"/>
+            <a:off x="899592" y="1701490"/>
+            <a:ext cx="7344816" cy="1077218"/>
           </a:xfrm>
           <a:prstGeom prst="rect">
             <a:avLst/>
@@ -5021,15 +5030,12 @@
             <a:endParaRPr lang="en-US" dirty="0"/>
           </a:p>
           <a:p>
-            <a:r>
-              <a:rPr lang="en-US" dirty="0" smtClean="0"/>
-              <a:t>Table </a:t>
-            </a:r>
-            <a:r>
-              <a:rPr lang="en-US" dirty="0" smtClean="0"/>
-              <a:t>used to store migration history </a:t>
-            </a:r>
-            <a:endParaRPr lang="en-US" dirty="0"/>
+            <a:pPr algn="ctr"/>
+            <a:r>
+              <a:rPr lang="en-US" sz="2800" dirty="0" smtClean="0"/>
+              <a:t>Table used to store migration history </a:t>
+            </a:r>
+            <a:endParaRPr lang="en-US" sz="2800" dirty="0"/>
           </a:p>
         </p:txBody>
       </p:sp>
@@ -5041,8 +5047,8 @@
         </p:nvSpPr>
         <p:spPr>
           <a:xfrm>
-            <a:off x="395536" y="836712"/>
-            <a:ext cx="7992888" cy="830997"/>
+            <a:off x="575556" y="747383"/>
+            <a:ext cx="7992888" cy="954107"/>
           </a:xfrm>
           <a:prstGeom prst="rect">
             <a:avLst/>
@@ -5055,11 +5061,12 @@
           </a:bodyPr>
           <a:lstStyle/>
           <a:p>
-            <a:r>
-              <a:rPr lang="en-US" sz="2400" dirty="0" smtClean="0"/>
+            <a:pPr algn="ctr"/>
+            <a:r>
+              <a:rPr lang="en-US" sz="2800" dirty="0" smtClean="0"/>
               <a:t>ASP.NET uses the migration feature in entity framework to generate the database tables </a:t>
             </a:r>
-            <a:endParaRPr lang="en-US" sz="2400" dirty="0"/>
+            <a:endParaRPr lang="en-US" sz="2800" dirty="0"/>
           </a:p>
         </p:txBody>
       </p:sp>
@@ -7817,6 +7824,80 @@
       </p:grpSpPr>
       <p:sp>
         <p:nvSpPr>
+          <p:cNvPr id="7" name="textruta 6"/>
+          <p:cNvSpPr txBox="1"/>
+          <p:nvPr/>
+        </p:nvSpPr>
+        <p:spPr>
+          <a:xfrm>
+            <a:off x="251520" y="1052736"/>
+            <a:ext cx="8424936" cy="3416320"/>
+          </a:xfrm>
+          <a:prstGeom prst="rect">
+            <a:avLst/>
+          </a:prstGeom>
+          <a:noFill/>
+        </p:spPr>
+        <p:txBody>
+          <a:bodyPr wrap="square" rtlCol="0">
+            <a:spAutoFit/>
+          </a:bodyPr>
+          <a:lstStyle/>
+          <a:p>
+            <a:pPr algn="ctr"/>
+            <a:r>
+              <a:rPr lang="en-US" sz="2800" dirty="0" smtClean="0"/>
+              <a:t>Table for storing roles</a:t>
+            </a:r>
+          </a:p>
+          <a:p>
+            <a:pPr algn="ctr"/>
+            <a:endParaRPr lang="en-US" sz="2000" dirty="0"/>
+          </a:p>
+          <a:p>
+            <a:pPr algn="ctr"/>
+            <a:endParaRPr lang="en-US" sz="2000" dirty="0" smtClean="0"/>
+          </a:p>
+          <a:p>
+            <a:pPr algn="ctr"/>
+            <a:endParaRPr lang="en-US" sz="2000" dirty="0"/>
+          </a:p>
+          <a:p>
+            <a:pPr algn="ctr"/>
+            <a:endParaRPr lang="en-US" sz="2000" dirty="0" smtClean="0"/>
+          </a:p>
+          <a:p>
+            <a:pPr algn="ctr"/>
+            <a:endParaRPr lang="en-US" sz="2000" dirty="0"/>
+          </a:p>
+          <a:p>
+            <a:pPr algn="ctr"/>
+            <a:endParaRPr lang="en-US" sz="2000" dirty="0" smtClean="0"/>
+          </a:p>
+          <a:p>
+            <a:pPr algn="ctr"/>
+            <a:endParaRPr lang="en-US" sz="2000" dirty="0" smtClean="0"/>
+          </a:p>
+          <a:p>
+            <a:pPr algn="ctr"/>
+            <a:endParaRPr lang="en-US" sz="2000" dirty="0" smtClean="0"/>
+          </a:p>
+          <a:p>
+            <a:pPr algn="ctr"/>
+            <a:r>
+              <a:rPr lang="en-US" sz="2800" dirty="0" smtClean="0"/>
+              <a:t>Connects </a:t>
+            </a:r>
+            <a:r>
+              <a:rPr lang="en-US" sz="2800" dirty="0" smtClean="0"/>
+              <a:t>users with roles</a:t>
+            </a:r>
+            <a:endParaRPr lang="en-US" sz="2800" dirty="0"/>
+          </a:p>
+        </p:txBody>
+      </p:sp>
+      <p:sp>
+        <p:nvSpPr>
           <p:cNvPr id="2" name="Rubrik 1"/>
           <p:cNvSpPr>
             <a:spLocks noGrp="1"/>
@@ -7848,13 +7929,13 @@
             <p:ph idx="1"/>
             <p:extLst>
               <p:ext uri="{D42A27DB-BD31-4B8C-83A1-F6EECF244321}">
-                <p14:modId xmlns:p14="http://schemas.microsoft.com/office/powerpoint/2010/main" val="3831816072"/>
+                <p14:modId xmlns:p14="http://schemas.microsoft.com/office/powerpoint/2010/main" val="256231143"/>
               </p:ext>
             </p:extLst>
           </p:nvPr>
         </p:nvGraphicFramePr>
         <p:xfrm>
-          <a:off x="395536" y="980728"/>
+          <a:off x="1753344" y="1628800"/>
           <a:ext cx="5266928" cy="2088232"/>
         </p:xfrm>
         <a:graphic>
@@ -8001,13 +8082,13 @@
           <p:nvPr>
             <p:extLst>
               <p:ext uri="{D42A27DB-BD31-4B8C-83A1-F6EECF244321}">
-                <p14:modId xmlns:p14="http://schemas.microsoft.com/office/powerpoint/2010/main" val="3214134684"/>
+                <p14:modId xmlns:p14="http://schemas.microsoft.com/office/powerpoint/2010/main" val="2549865595"/>
               </p:ext>
             </p:extLst>
           </p:nvPr>
         </p:nvGraphicFramePr>
         <p:xfrm>
-          <a:off x="395536" y="3501008"/>
+          <a:off x="1753344" y="4469056"/>
           <a:ext cx="5266928" cy="2088232"/>
         </p:xfrm>
         <a:graphic>
@@ -8145,63 +8226,6 @@
           </a:graphicData>
         </a:graphic>
       </p:graphicFrame>
-      <p:sp>
-        <p:nvSpPr>
-          <p:cNvPr id="7" name="textruta 6"/>
-          <p:cNvSpPr txBox="1"/>
-          <p:nvPr/>
-        </p:nvSpPr>
-        <p:spPr>
-          <a:xfrm>
-            <a:off x="5868144" y="1052736"/>
-            <a:ext cx="3168352" cy="2862322"/>
-          </a:xfrm>
-          <a:prstGeom prst="rect">
-            <a:avLst/>
-          </a:prstGeom>
-          <a:noFill/>
-        </p:spPr>
-        <p:txBody>
-          <a:bodyPr wrap="square" rtlCol="0">
-            <a:spAutoFit/>
-          </a:bodyPr>
-          <a:lstStyle/>
-          <a:p>
-            <a:r>
-              <a:rPr lang="en-US" sz="2000" dirty="0" smtClean="0"/>
-              <a:t>Table for storing roles</a:t>
-            </a:r>
-          </a:p>
-          <a:p>
-            <a:endParaRPr lang="en-US" sz="2000" dirty="0"/>
-          </a:p>
-          <a:p>
-            <a:endParaRPr lang="en-US" sz="2000" dirty="0" smtClean="0"/>
-          </a:p>
-          <a:p>
-            <a:endParaRPr lang="en-US" sz="2000" dirty="0"/>
-          </a:p>
-          <a:p>
-            <a:endParaRPr lang="en-US" sz="2000" dirty="0" smtClean="0"/>
-          </a:p>
-          <a:p>
-            <a:endParaRPr lang="en-US" sz="2000" dirty="0"/>
-          </a:p>
-          <a:p>
-            <a:endParaRPr lang="en-US" sz="2000" dirty="0" smtClean="0"/>
-          </a:p>
-          <a:p>
-            <a:endParaRPr lang="en-US" sz="2000" dirty="0" smtClean="0"/>
-          </a:p>
-          <a:p>
-            <a:r>
-              <a:rPr lang="en-US" sz="2000" dirty="0" smtClean="0"/>
-              <a:t>Connects users with roles</a:t>
-            </a:r>
-            <a:endParaRPr lang="en-US" sz="2000" dirty="0"/>
-          </a:p>
-        </p:txBody>
-      </p:sp>
     </p:spTree>
     <p:extLst>
       <p:ext uri="{BB962C8B-B14F-4D97-AF65-F5344CB8AC3E}">
@@ -8272,13 +8296,13 @@
             <p:ph idx="1"/>
             <p:extLst>
               <p:ext uri="{D42A27DB-BD31-4B8C-83A1-F6EECF244321}">
-                <p14:modId xmlns:p14="http://schemas.microsoft.com/office/powerpoint/2010/main" val="2707825142"/>
+                <p14:modId xmlns:p14="http://schemas.microsoft.com/office/powerpoint/2010/main" val="2533963028"/>
               </p:ext>
             </p:extLst>
           </p:nvPr>
         </p:nvGraphicFramePr>
         <p:xfrm>
-          <a:off x="467544" y="1988840"/>
+          <a:off x="1902532" y="1988840"/>
           <a:ext cx="5338936" cy="2270760"/>
         </p:xfrm>
         <a:graphic>
@@ -8473,8 +8497,8 @@
         </p:nvSpPr>
         <p:spPr>
           <a:xfrm>
-            <a:off x="6012160" y="1988840"/>
-            <a:ext cx="2448272" cy="1015663"/>
+            <a:off x="287524" y="1196752"/>
+            <a:ext cx="8568952" cy="3970318"/>
           </a:xfrm>
           <a:prstGeom prst="rect">
             <a:avLst/>
@@ -8487,10 +8511,47 @@
           </a:bodyPr>
           <a:lstStyle/>
           <a:p>
-            <a:r>
-              <a:rPr lang="en-US" sz="2000" dirty="0" smtClean="0"/>
-              <a:t>Table used to store users using external logins</a:t>
-            </a:r>
+            <a:pPr algn="ctr"/>
+            <a:r>
+              <a:rPr lang="en-US" sz="2800" dirty="0" smtClean="0"/>
+              <a:t>Table used to store users using external </a:t>
+            </a:r>
+            <a:r>
+              <a:rPr lang="en-US" sz="2800" dirty="0" smtClean="0"/>
+              <a:t>logins</a:t>
+            </a:r>
+          </a:p>
+          <a:p>
+            <a:pPr algn="ctr"/>
+            <a:endParaRPr lang="en-US" sz="2800" dirty="0"/>
+          </a:p>
+          <a:p>
+            <a:pPr algn="ctr"/>
+            <a:endParaRPr lang="en-US" sz="2800" dirty="0" smtClean="0"/>
+          </a:p>
+          <a:p>
+            <a:pPr algn="ctr"/>
+            <a:endParaRPr lang="en-US" sz="2800" dirty="0"/>
+          </a:p>
+          <a:p>
+            <a:pPr algn="ctr"/>
+            <a:endParaRPr lang="en-US" sz="2800" dirty="0" smtClean="0"/>
+          </a:p>
+          <a:p>
+            <a:pPr algn="ctr"/>
+            <a:endParaRPr lang="en-US" sz="2800" dirty="0"/>
+          </a:p>
+          <a:p>
+            <a:pPr algn="ctr"/>
+            <a:endParaRPr lang="en-US" sz="2800" dirty="0" smtClean="0"/>
+          </a:p>
+          <a:p>
+            <a:pPr algn="ctr"/>
+            <a:endParaRPr lang="en-US" sz="2800" dirty="0"/>
+          </a:p>
+          <a:p>
+            <a:pPr algn="ctr"/>
+            <a:endParaRPr lang="en-US" sz="2800" dirty="0" smtClean="0"/>
           </a:p>
         </p:txBody>
       </p:sp>

--- a/Documents/Slides/Identity-Database.pptx
+++ b/Documents/Slides/Identity-Database.pptx
@@ -4720,11 +4720,7 @@
             <a:pPr algn="ctr"/>
             <a:r>
               <a:rPr lang="en-US" sz="2800" dirty="0" smtClean="0"/>
-              <a:t>Table </a:t>
-            </a:r>
-            <a:r>
-              <a:rPr lang="en-US" sz="2800" dirty="0" smtClean="0"/>
-              <a:t>used to store claims</a:t>
+              <a:t>Table used to store claims</a:t>
             </a:r>
           </a:p>
           <a:p>
@@ -4736,6 +4732,36 @@
           </a:p>
         </p:txBody>
       </p:sp>
+      <p:pic>
+        <p:nvPicPr>
+          <p:cNvPr id="3" name="Bildobjekt 2"/>
+          <p:cNvPicPr>
+            <a:picLocks noChangeAspect="1"/>
+          </p:cNvPicPr>
+          <p:nvPr/>
+        </p:nvPicPr>
+        <p:blipFill>
+          <a:blip r:embed="rId2">
+            <a:extLst>
+              <a:ext uri="{28A0092B-C50C-407E-A947-70E740481C1C}">
+                <a14:useLocalDpi xmlns:a14="http://schemas.microsoft.com/office/drawing/2010/main" val="0"/>
+              </a:ext>
+            </a:extLst>
+          </a:blip>
+          <a:stretch>
+            <a:fillRect/>
+          </a:stretch>
+        </p:blipFill>
+        <p:spPr>
+          <a:xfrm>
+            <a:off x="1907703" y="4365104"/>
+            <a:ext cx="5328593" cy="1224136"/>
+          </a:xfrm>
+          <a:prstGeom prst="rect">
+            <a:avLst/>
+          </a:prstGeom>
+        </p:spPr>
+      </p:pic>
     </p:spTree>
     <p:extLst>
       <p:ext uri="{BB962C8B-B14F-4D97-AF65-F5344CB8AC3E}">
@@ -7886,11 +7912,7 @@
             <a:pPr algn="ctr"/>
             <a:r>
               <a:rPr lang="en-US" sz="2800" dirty="0" smtClean="0"/>
-              <a:t>Connects </a:t>
-            </a:r>
-            <a:r>
-              <a:rPr lang="en-US" sz="2800" dirty="0" smtClean="0"/>
-              <a:t>users with roles</a:t>
+              <a:t>Connects users with roles</a:t>
             </a:r>
             <a:endParaRPr lang="en-US" sz="2800" dirty="0"/>
           </a:p>
@@ -8514,11 +8536,7 @@
             <a:pPr algn="ctr"/>
             <a:r>
               <a:rPr lang="en-US" sz="2800" dirty="0" smtClean="0"/>
-              <a:t>Table used to store users using external </a:t>
-            </a:r>
-            <a:r>
-              <a:rPr lang="en-US" sz="2800" dirty="0" smtClean="0"/>
-              <a:t>logins</a:t>
+              <a:t>Table used to store users using external logins</a:t>
             </a:r>
           </a:p>
           <a:p>
@@ -8555,6 +8573,36 @@
           </a:p>
         </p:txBody>
       </p:sp>
+      <p:pic>
+        <p:nvPicPr>
+          <p:cNvPr id="5" name="Bildobjekt 4"/>
+          <p:cNvPicPr>
+            <a:picLocks noChangeAspect="1"/>
+          </p:cNvPicPr>
+          <p:nvPr/>
+        </p:nvPicPr>
+        <p:blipFill>
+          <a:blip r:embed="rId2">
+            <a:extLst>
+              <a:ext uri="{28A0092B-C50C-407E-A947-70E740481C1C}">
+                <a14:useLocalDpi xmlns:a14="http://schemas.microsoft.com/office/drawing/2010/main" val="0"/>
+              </a:ext>
+            </a:extLst>
+          </a:blip>
+          <a:stretch>
+            <a:fillRect/>
+          </a:stretch>
+        </p:blipFill>
+        <p:spPr>
+          <a:xfrm>
+            <a:off x="1907704" y="4499242"/>
+            <a:ext cx="5328592" cy="873974"/>
+          </a:xfrm>
+          <a:prstGeom prst="rect">
+            <a:avLst/>
+          </a:prstGeom>
+        </p:spPr>
+      </p:pic>
     </p:spTree>
     <p:extLst>
       <p:ext uri="{BB962C8B-B14F-4D97-AF65-F5344CB8AC3E}">
